--- a/react/React.pptx
+++ b/react/React.pptx
@@ -10,6 +10,7 @@
     <p:sldId id="258" r:id="rId4"/>
     <p:sldId id="259" r:id="rId5"/>
     <p:sldId id="260" r:id="rId6"/>
+    <p:sldId id="261" r:id="rId7"/>
   </p:sldIdLst>
   <p:sldSz cx="12192000" cy="6858000"/>
   <p:notesSz cx="6858000" cy="9144000"/>
@@ -108,6 +109,11 @@
       </a:defRPr>
     </a:lvl9pPr>
   </p:defaultTextStyle>
+  <p:extLst>
+    <p:ext uri="{EFAFB233-063F-42B5-8137-9DF3F51BA10A}">
+      <p15:sldGuideLst xmlns:p15="http://schemas.microsoft.com/office/powerpoint/2012/main"/>
+    </p:ext>
+  </p:extLst>
 </p:presentation>
 </file>
 
@@ -290,7 +296,7 @@
           <a:p>
             <a:fld id="{6604B9EE-3394-4753-BBCA-788B28FEC1FC}" type="datetimeFigureOut">
               <a:rPr lang="ko-KR" altLang="en-US" smtClean="0"/>
-              <a:t>2023-06-07</a:t>
+              <a:t>2023-06-08</a:t>
             </a:fld>
             <a:endParaRPr lang="ko-KR" altLang="en-US"/>
           </a:p>
@@ -528,7 +534,7 @@
           <a:p>
             <a:fld id="{6604B9EE-3394-4753-BBCA-788B28FEC1FC}" type="datetimeFigureOut">
               <a:rPr lang="ko-KR" altLang="en-US" smtClean="0"/>
-              <a:t>2023-06-07</a:t>
+              <a:t>2023-06-08</a:t>
             </a:fld>
             <a:endParaRPr lang="ko-KR" altLang="en-US"/>
           </a:p>
@@ -863,7 +869,7 @@
           <a:p>
             <a:fld id="{6604B9EE-3394-4753-BBCA-788B28FEC1FC}" type="datetimeFigureOut">
               <a:rPr lang="ko-KR" altLang="en-US" smtClean="0"/>
-              <a:t>2023-06-07</a:t>
+              <a:t>2023-06-08</a:t>
             </a:fld>
             <a:endParaRPr lang="ko-KR" altLang="en-US"/>
           </a:p>
@@ -1166,7 +1172,7 @@
           <a:p>
             <a:fld id="{6604B9EE-3394-4753-BBCA-788B28FEC1FC}" type="datetimeFigureOut">
               <a:rPr lang="ko-KR" altLang="en-US" smtClean="0"/>
-              <a:t>2023-06-07</a:t>
+              <a:t>2023-06-08</a:t>
             </a:fld>
             <a:endParaRPr lang="ko-KR" altLang="en-US"/>
           </a:p>
@@ -1617,7 +1623,7 @@
           <a:p>
             <a:fld id="{6604B9EE-3394-4753-BBCA-788B28FEC1FC}" type="datetimeFigureOut">
               <a:rPr lang="ko-KR" altLang="en-US" smtClean="0"/>
-              <a:t>2023-06-07</a:t>
+              <a:t>2023-06-08</a:t>
             </a:fld>
             <a:endParaRPr lang="ko-KR" altLang="en-US"/>
           </a:p>
@@ -1790,7 +1796,7 @@
           <a:p>
             <a:fld id="{6604B9EE-3394-4753-BBCA-788B28FEC1FC}" type="datetimeFigureOut">
               <a:rPr lang="ko-KR" altLang="en-US" smtClean="0"/>
-              <a:t>2023-06-07</a:t>
+              <a:t>2023-06-08</a:t>
             </a:fld>
             <a:endParaRPr lang="ko-KR" altLang="en-US"/>
           </a:p>
@@ -1927,7 +1933,7 @@
           <a:p>
             <a:fld id="{6604B9EE-3394-4753-BBCA-788B28FEC1FC}" type="datetimeFigureOut">
               <a:rPr lang="ko-KR" altLang="en-US" smtClean="0"/>
-              <a:t>2023-06-07</a:t>
+              <a:t>2023-06-08</a:t>
             </a:fld>
             <a:endParaRPr lang="ko-KR" altLang="en-US"/>
           </a:p>
@@ -2271,7 +2277,7 @@
           <a:p>
             <a:fld id="{6604B9EE-3394-4753-BBCA-788B28FEC1FC}" type="datetimeFigureOut">
               <a:rPr lang="ko-KR" altLang="en-US" smtClean="0"/>
-              <a:t>2023-06-07</a:t>
+              <a:t>2023-06-08</a:t>
             </a:fld>
             <a:endParaRPr lang="ko-KR" altLang="en-US"/>
           </a:p>
@@ -2592,7 +2598,7 @@
           <a:p>
             <a:fld id="{6604B9EE-3394-4753-BBCA-788B28FEC1FC}" type="datetimeFigureOut">
               <a:rPr lang="ko-KR" altLang="en-US" smtClean="0"/>
-              <a:t>2023-06-07</a:t>
+              <a:t>2023-06-08</a:t>
             </a:fld>
             <a:endParaRPr lang="ko-KR" altLang="en-US"/>
           </a:p>
@@ -3855,18 +3861,44 @@
             </a:r>
           </a:p>
           <a:p>
-            <a:pPr marL="285750" indent="-285750">
-              <a:buFont typeface="Wingdings" panose="05000000000000000000" pitchFamily="2" charset="2"/>
-              <a:buChar char="Ø"/>
-            </a:pPr>
-            <a:endParaRPr lang="en-US" altLang="ko-KR" dirty="0"/>
-          </a:p>
-          <a:p>
-            <a:pPr marL="285750" indent="-285750">
-              <a:buFont typeface="Wingdings" panose="05000000000000000000" pitchFamily="2" charset="2"/>
-              <a:buChar char="Ø"/>
-            </a:pPr>
-            <a:endParaRPr lang="en-US" altLang="ko-KR" dirty="0"/>
+            <a:r>
+              <a:rPr lang="en-US" altLang="ko-KR" dirty="0"/>
+              <a:t>(JSX </a:t>
+            </a:r>
+            <a:r>
+              <a:rPr lang="ko-KR" altLang="en-US" dirty="0"/>
+              <a:t>기반의 </a:t>
+            </a:r>
+            <a:r>
+              <a:rPr lang="en-US" altLang="ko-KR" dirty="0" err="1"/>
+              <a:t>VirtualDOM</a:t>
+            </a:r>
+            <a:r>
+              <a:rPr lang="en-US" altLang="ko-KR" dirty="0"/>
+              <a:t> </a:t>
+            </a:r>
+            <a:r>
+              <a:rPr lang="ko-KR" altLang="en-US" dirty="0"/>
+              <a:t>성능 향상</a:t>
+            </a:r>
+            <a:r>
+              <a:rPr lang="en-US" altLang="ko-KR" dirty="0"/>
+              <a:t>)</a:t>
+            </a:r>
+          </a:p>
+          <a:p>
+            <a:r>
+              <a:rPr lang="en-US" altLang="ko-KR" dirty="0"/>
+              <a:t>(</a:t>
+            </a:r>
+            <a:r>
+              <a:rPr lang="ko-KR" altLang="en-US" dirty="0"/>
+              <a:t>데이터 바인딩 특성</a:t>
+            </a:r>
+            <a:r>
+              <a:rPr lang="en-US" altLang="ko-KR" dirty="0"/>
+              <a:t>)</a:t>
+            </a:r>
           </a:p>
           <a:p>
             <a:pPr marL="285750" indent="-285750">
@@ -4562,6 +4594,126 @@
     <p:extLst>
       <p:ext uri="{BB962C8B-B14F-4D97-AF65-F5344CB8AC3E}">
         <p14:creationId xmlns:p14="http://schemas.microsoft.com/office/powerpoint/2010/main" val="962929150"/>
+      </p:ext>
+    </p:extLst>
+  </p:cSld>
+  <p:clrMapOvr>
+    <a:masterClrMapping/>
+  </p:clrMapOvr>
+</p:sld>
+</file>
+
+<file path=ppt/slides/slide6.xml><?xml version="1.0" encoding="utf-8"?>
+<p:sld xmlns:a="http://schemas.openxmlformats.org/drawingml/2006/main" xmlns:r="http://schemas.openxmlformats.org/officeDocument/2006/relationships" xmlns:p="http://schemas.openxmlformats.org/presentationml/2006/main">
+  <p:cSld>
+    <p:spTree>
+      <p:nvGrpSpPr>
+        <p:cNvPr id="1" name=""/>
+        <p:cNvGrpSpPr/>
+        <p:nvPr/>
+      </p:nvGrpSpPr>
+      <p:grpSpPr>
+        <a:xfrm>
+          <a:off x="0" y="0"/>
+          <a:ext cx="0" cy="0"/>
+          <a:chOff x="0" y="0"/>
+          <a:chExt cx="0" cy="0"/>
+        </a:xfrm>
+      </p:grpSpPr>
+      <p:pic>
+        <p:nvPicPr>
+          <p:cNvPr id="3" name="그림 2">
+            <a:extLst>
+              <a:ext uri="{FF2B5EF4-FFF2-40B4-BE49-F238E27FC236}">
+                <a16:creationId xmlns:a16="http://schemas.microsoft.com/office/drawing/2014/main" id="{9F5E5D6C-6D01-A1CA-9C39-625D1082FB37}"/>
+              </a:ext>
+            </a:extLst>
+          </p:cNvPr>
+          <p:cNvPicPr>
+            <a:picLocks noChangeAspect="1"/>
+          </p:cNvPicPr>
+          <p:nvPr/>
+        </p:nvPicPr>
+        <p:blipFill>
+          <a:blip r:embed="rId2"/>
+          <a:stretch>
+            <a:fillRect/>
+          </a:stretch>
+        </p:blipFill>
+        <p:spPr>
+          <a:xfrm>
+            <a:off x="372983" y="2620192"/>
+            <a:ext cx="5315692" cy="876422"/>
+          </a:xfrm>
+          <a:prstGeom prst="rect">
+            <a:avLst/>
+          </a:prstGeom>
+        </p:spPr>
+      </p:pic>
+      <p:pic>
+        <p:nvPicPr>
+          <p:cNvPr id="5" name="그림 4">
+            <a:extLst>
+              <a:ext uri="{FF2B5EF4-FFF2-40B4-BE49-F238E27FC236}">
+                <a16:creationId xmlns:a16="http://schemas.microsoft.com/office/drawing/2014/main" id="{93D3D2F8-4FF1-1591-A8A8-CDC6DFA6B7D2}"/>
+              </a:ext>
+            </a:extLst>
+          </p:cNvPr>
+          <p:cNvPicPr>
+            <a:picLocks noChangeAspect="1"/>
+          </p:cNvPicPr>
+          <p:nvPr/>
+        </p:nvPicPr>
+        <p:blipFill>
+          <a:blip r:embed="rId3"/>
+          <a:stretch>
+            <a:fillRect/>
+          </a:stretch>
+        </p:blipFill>
+        <p:spPr>
+          <a:xfrm>
+            <a:off x="6096000" y="2230632"/>
+            <a:ext cx="4858428" cy="276264"/>
+          </a:xfrm>
+          <a:prstGeom prst="rect">
+            <a:avLst/>
+          </a:prstGeom>
+        </p:spPr>
+      </p:pic>
+      <p:pic>
+        <p:nvPicPr>
+          <p:cNvPr id="7" name="그림 6">
+            <a:extLst>
+              <a:ext uri="{FF2B5EF4-FFF2-40B4-BE49-F238E27FC236}">
+                <a16:creationId xmlns:a16="http://schemas.microsoft.com/office/drawing/2014/main" id="{1A5CAA3A-FE58-063E-9845-1EC3B1587D35}"/>
+              </a:ext>
+            </a:extLst>
+          </p:cNvPr>
+          <p:cNvPicPr>
+            <a:picLocks noChangeAspect="1"/>
+          </p:cNvPicPr>
+          <p:nvPr/>
+        </p:nvPicPr>
+        <p:blipFill>
+          <a:blip r:embed="rId4"/>
+          <a:stretch>
+            <a:fillRect/>
+          </a:stretch>
+        </p:blipFill>
+        <p:spPr>
+          <a:xfrm>
+            <a:off x="372983" y="187995"/>
+            <a:ext cx="3600953" cy="2257740"/>
+          </a:xfrm>
+          <a:prstGeom prst="rect">
+            <a:avLst/>
+          </a:prstGeom>
+        </p:spPr>
+      </p:pic>
+    </p:spTree>
+    <p:extLst>
+      <p:ext uri="{BB962C8B-B14F-4D97-AF65-F5344CB8AC3E}">
+        <p14:creationId xmlns:p14="http://schemas.microsoft.com/office/powerpoint/2010/main" val="902838530"/>
       </p:ext>
     </p:extLst>
   </p:cSld>

--- a/react/React.pptx
+++ b/react/React.pptx
@@ -11,6 +11,10 @@
     <p:sldId id="259" r:id="rId5"/>
     <p:sldId id="260" r:id="rId6"/>
     <p:sldId id="261" r:id="rId7"/>
+    <p:sldId id="262" r:id="rId8"/>
+    <p:sldId id="263" r:id="rId9"/>
+    <p:sldId id="264" r:id="rId10"/>
+    <p:sldId id="265" r:id="rId11"/>
   </p:sldIdLst>
   <p:sldSz cx="12192000" cy="6858000"/>
   <p:notesSz cx="6858000" cy="9144000"/>
@@ -296,7 +300,7 @@
           <a:p>
             <a:fld id="{6604B9EE-3394-4753-BBCA-788B28FEC1FC}" type="datetimeFigureOut">
               <a:rPr lang="ko-KR" altLang="en-US" smtClean="0"/>
-              <a:t>2023-06-08</a:t>
+              <a:t>2023-06-09</a:t>
             </a:fld>
             <a:endParaRPr lang="ko-KR" altLang="en-US"/>
           </a:p>
@@ -534,7 +538,7 @@
           <a:p>
             <a:fld id="{6604B9EE-3394-4753-BBCA-788B28FEC1FC}" type="datetimeFigureOut">
               <a:rPr lang="ko-KR" altLang="en-US" smtClean="0"/>
-              <a:t>2023-06-08</a:t>
+              <a:t>2023-06-09</a:t>
             </a:fld>
             <a:endParaRPr lang="ko-KR" altLang="en-US"/>
           </a:p>
@@ -869,7 +873,7 @@
           <a:p>
             <a:fld id="{6604B9EE-3394-4753-BBCA-788B28FEC1FC}" type="datetimeFigureOut">
               <a:rPr lang="ko-KR" altLang="en-US" smtClean="0"/>
-              <a:t>2023-06-08</a:t>
+              <a:t>2023-06-09</a:t>
             </a:fld>
             <a:endParaRPr lang="ko-KR" altLang="en-US"/>
           </a:p>
@@ -1172,7 +1176,7 @@
           <a:p>
             <a:fld id="{6604B9EE-3394-4753-BBCA-788B28FEC1FC}" type="datetimeFigureOut">
               <a:rPr lang="ko-KR" altLang="en-US" smtClean="0"/>
-              <a:t>2023-06-08</a:t>
+              <a:t>2023-06-09</a:t>
             </a:fld>
             <a:endParaRPr lang="ko-KR" altLang="en-US"/>
           </a:p>
@@ -1623,7 +1627,7 @@
           <a:p>
             <a:fld id="{6604B9EE-3394-4753-BBCA-788B28FEC1FC}" type="datetimeFigureOut">
               <a:rPr lang="ko-KR" altLang="en-US" smtClean="0"/>
-              <a:t>2023-06-08</a:t>
+              <a:t>2023-06-09</a:t>
             </a:fld>
             <a:endParaRPr lang="ko-KR" altLang="en-US"/>
           </a:p>
@@ -1796,7 +1800,7 @@
           <a:p>
             <a:fld id="{6604B9EE-3394-4753-BBCA-788B28FEC1FC}" type="datetimeFigureOut">
               <a:rPr lang="ko-KR" altLang="en-US" smtClean="0"/>
-              <a:t>2023-06-08</a:t>
+              <a:t>2023-06-09</a:t>
             </a:fld>
             <a:endParaRPr lang="ko-KR" altLang="en-US"/>
           </a:p>
@@ -1933,7 +1937,7 @@
           <a:p>
             <a:fld id="{6604B9EE-3394-4753-BBCA-788B28FEC1FC}" type="datetimeFigureOut">
               <a:rPr lang="ko-KR" altLang="en-US" smtClean="0"/>
-              <a:t>2023-06-08</a:t>
+              <a:t>2023-06-09</a:t>
             </a:fld>
             <a:endParaRPr lang="ko-KR" altLang="en-US"/>
           </a:p>
@@ -2277,7 +2281,7 @@
           <a:p>
             <a:fld id="{6604B9EE-3394-4753-BBCA-788B28FEC1FC}" type="datetimeFigureOut">
               <a:rPr lang="ko-KR" altLang="en-US" smtClean="0"/>
-              <a:t>2023-06-08</a:t>
+              <a:t>2023-06-09</a:t>
             </a:fld>
             <a:endParaRPr lang="ko-KR" altLang="en-US"/>
           </a:p>
@@ -2598,7 +2602,7 @@
           <a:p>
             <a:fld id="{6604B9EE-3394-4753-BBCA-788B28FEC1FC}" type="datetimeFigureOut">
               <a:rPr lang="ko-KR" altLang="en-US" smtClean="0"/>
-              <a:t>2023-06-08</a:t>
+              <a:t>2023-06-09</a:t>
             </a:fld>
             <a:endParaRPr lang="ko-KR" altLang="en-US"/>
           </a:p>
@@ -3384,6 +3388,109 @@
 </p:sld>
 </file>
 
+<file path=ppt/slides/slide10.xml><?xml version="1.0" encoding="utf-8"?>
+<p:sld xmlns:a="http://schemas.openxmlformats.org/drawingml/2006/main" xmlns:r="http://schemas.openxmlformats.org/officeDocument/2006/relationships" xmlns:p="http://schemas.openxmlformats.org/presentationml/2006/main">
+  <p:cSld>
+    <p:spTree>
+      <p:nvGrpSpPr>
+        <p:cNvPr id="1" name=""/>
+        <p:cNvGrpSpPr/>
+        <p:nvPr/>
+      </p:nvGrpSpPr>
+      <p:grpSpPr>
+        <a:xfrm>
+          <a:off x="0" y="0"/>
+          <a:ext cx="0" cy="0"/>
+          <a:chOff x="0" y="0"/>
+          <a:chExt cx="0" cy="0"/>
+        </a:xfrm>
+      </p:grpSpPr>
+      <p:sp>
+        <p:nvSpPr>
+          <p:cNvPr id="2" name="TextBox 1">
+            <a:extLst>
+              <a:ext uri="{FF2B5EF4-FFF2-40B4-BE49-F238E27FC236}">
+                <a16:creationId xmlns:a16="http://schemas.microsoft.com/office/drawing/2014/main" id="{64B092C2-55C6-3081-4767-F2EDE00674C9}"/>
+              </a:ext>
+            </a:extLst>
+          </p:cNvPr>
+          <p:cNvSpPr txBox="1"/>
+          <p:nvPr/>
+        </p:nvSpPr>
+        <p:spPr>
+          <a:xfrm>
+            <a:off x="97536" y="170688"/>
+            <a:ext cx="1846403" cy="369332"/>
+          </a:xfrm>
+          <a:prstGeom prst="rect">
+            <a:avLst/>
+          </a:prstGeom>
+          <a:noFill/>
+        </p:spPr>
+        <p:txBody>
+          <a:bodyPr wrap="none" rtlCol="0">
+            <a:spAutoFit/>
+          </a:bodyPr>
+          <a:lstStyle/>
+          <a:p>
+            <a:r>
+              <a:rPr lang="en-US" altLang="ko-KR" dirty="0"/>
+              <a:t>React</a:t>
+            </a:r>
+            <a:r>
+              <a:rPr lang="ko-KR" altLang="en-US" dirty="0"/>
+              <a:t> </a:t>
+            </a:r>
+            <a:r>
+              <a:rPr lang="en-US" altLang="ko-KR" dirty="0"/>
+              <a:t>bootstrap</a:t>
+            </a:r>
+          </a:p>
+        </p:txBody>
+      </p:sp>
+      <p:pic>
+        <p:nvPicPr>
+          <p:cNvPr id="4" name="그림 3">
+            <a:extLst>
+              <a:ext uri="{FF2B5EF4-FFF2-40B4-BE49-F238E27FC236}">
+                <a16:creationId xmlns:a16="http://schemas.microsoft.com/office/drawing/2014/main" id="{EA57AA43-9047-A8BA-6F44-65BBE06BB475}"/>
+              </a:ext>
+            </a:extLst>
+          </p:cNvPr>
+          <p:cNvPicPr>
+            <a:picLocks noChangeAspect="1"/>
+          </p:cNvPicPr>
+          <p:nvPr/>
+        </p:nvPicPr>
+        <p:blipFill>
+          <a:blip r:embed="rId2"/>
+          <a:stretch>
+            <a:fillRect/>
+          </a:stretch>
+        </p:blipFill>
+        <p:spPr>
+          <a:xfrm>
+            <a:off x="2510113" y="260090"/>
+            <a:ext cx="2225438" cy="279930"/>
+          </a:xfrm>
+          <a:prstGeom prst="rect">
+            <a:avLst/>
+          </a:prstGeom>
+        </p:spPr>
+      </p:pic>
+    </p:spTree>
+    <p:extLst>
+      <p:ext uri="{BB962C8B-B14F-4D97-AF65-F5344CB8AC3E}">
+        <p14:creationId xmlns:p14="http://schemas.microsoft.com/office/powerpoint/2010/main" val="33102268"/>
+      </p:ext>
+    </p:extLst>
+  </p:cSld>
+  <p:clrMapOvr>
+    <a:masterClrMapping/>
+  </p:clrMapOvr>
+</p:sld>
+</file>
+
 <file path=ppt/slides/slide2.xml><?xml version="1.0" encoding="utf-8"?>
 <p:sld xmlns:a="http://schemas.openxmlformats.org/drawingml/2006/main" xmlns:r="http://schemas.openxmlformats.org/officeDocument/2006/relationships" xmlns:p="http://schemas.openxmlformats.org/presentationml/2006/main">
   <p:cSld>
@@ -4710,10 +4817,1157 @@
           </a:prstGeom>
         </p:spPr>
       </p:pic>
+      <p:pic>
+        <p:nvPicPr>
+          <p:cNvPr id="4" name="그림 3">
+            <a:extLst>
+              <a:ext uri="{FF2B5EF4-FFF2-40B4-BE49-F238E27FC236}">
+                <a16:creationId xmlns:a16="http://schemas.microsoft.com/office/drawing/2014/main" id="{3BFA1D15-9AAD-955C-BF80-8A1060EEB472}"/>
+              </a:ext>
+            </a:extLst>
+          </p:cNvPr>
+          <p:cNvPicPr>
+            <a:picLocks noChangeAspect="1"/>
+          </p:cNvPicPr>
+          <p:nvPr/>
+        </p:nvPicPr>
+        <p:blipFill>
+          <a:blip r:embed="rId5"/>
+          <a:stretch>
+            <a:fillRect/>
+          </a:stretch>
+        </p:blipFill>
+        <p:spPr>
+          <a:xfrm>
+            <a:off x="177694" y="4484023"/>
+            <a:ext cx="5510981" cy="1222280"/>
+          </a:xfrm>
+          <a:prstGeom prst="rect">
+            <a:avLst/>
+          </a:prstGeom>
+        </p:spPr>
+      </p:pic>
+      <p:sp>
+        <p:nvSpPr>
+          <p:cNvPr id="6" name="TextBox 5">
+            <a:extLst>
+              <a:ext uri="{FF2B5EF4-FFF2-40B4-BE49-F238E27FC236}">
+                <a16:creationId xmlns:a16="http://schemas.microsoft.com/office/drawing/2014/main" id="{3A68F5CD-C8BB-0967-899D-ABA90E166EBC}"/>
+              </a:ext>
+            </a:extLst>
+          </p:cNvPr>
+          <p:cNvSpPr txBox="1"/>
+          <p:nvPr/>
+        </p:nvSpPr>
+        <p:spPr>
+          <a:xfrm>
+            <a:off x="6096000" y="4700789"/>
+            <a:ext cx="5607625" cy="646331"/>
+          </a:xfrm>
+          <a:prstGeom prst="rect">
+            <a:avLst/>
+          </a:prstGeom>
+          <a:noFill/>
+        </p:spPr>
+        <p:txBody>
+          <a:bodyPr wrap="none" rtlCol="0">
+            <a:spAutoFit/>
+          </a:bodyPr>
+          <a:lstStyle/>
+          <a:p>
+            <a:r>
+              <a:rPr lang="en-US" altLang="ko-KR" dirty="0"/>
+              <a:t>JSX</a:t>
+            </a:r>
+            <a:r>
+              <a:rPr lang="ko-KR" altLang="en-US" dirty="0"/>
+              <a:t>에서 </a:t>
+            </a:r>
+            <a:r>
+              <a:rPr lang="en-US" altLang="ko-KR" dirty="0"/>
+              <a:t>`` </a:t>
+            </a:r>
+            <a:r>
+              <a:rPr lang="ko-KR" altLang="en-US" dirty="0"/>
+              <a:t>사용하기 위해선 </a:t>
+            </a:r>
+            <a:r>
+              <a:rPr lang="en-US" altLang="ko-KR" dirty="0"/>
+              <a:t>{ } </a:t>
+            </a:r>
+            <a:r>
+              <a:rPr lang="ko-KR" altLang="en-US" dirty="0"/>
+              <a:t>자바스크립트 문법을 </a:t>
+            </a:r>
+            <a:endParaRPr lang="en-US" altLang="ko-KR" dirty="0"/>
+          </a:p>
+          <a:p>
+            <a:r>
+              <a:rPr lang="ko-KR" altLang="en-US" dirty="0"/>
+              <a:t>사용하기 위한 </a:t>
+            </a:r>
+            <a:r>
+              <a:rPr lang="en-US" altLang="ko-KR" dirty="0"/>
+              <a:t>{ } </a:t>
+            </a:r>
+            <a:r>
+              <a:rPr lang="ko-KR" altLang="en-US" dirty="0"/>
+              <a:t>사용</a:t>
+            </a:r>
+          </a:p>
+        </p:txBody>
+      </p:sp>
     </p:spTree>
     <p:extLst>
       <p:ext uri="{BB962C8B-B14F-4D97-AF65-F5344CB8AC3E}">
         <p14:creationId xmlns:p14="http://schemas.microsoft.com/office/powerpoint/2010/main" val="902838530"/>
+      </p:ext>
+    </p:extLst>
+  </p:cSld>
+  <p:clrMapOvr>
+    <a:masterClrMapping/>
+  </p:clrMapOvr>
+</p:sld>
+</file>
+
+<file path=ppt/slides/slide7.xml><?xml version="1.0" encoding="utf-8"?>
+<p:sld xmlns:a="http://schemas.openxmlformats.org/drawingml/2006/main" xmlns:r="http://schemas.openxmlformats.org/officeDocument/2006/relationships" xmlns:p="http://schemas.openxmlformats.org/presentationml/2006/main">
+  <p:cSld>
+    <p:spTree>
+      <p:nvGrpSpPr>
+        <p:cNvPr id="1" name=""/>
+        <p:cNvGrpSpPr/>
+        <p:nvPr/>
+      </p:nvGrpSpPr>
+      <p:grpSpPr>
+        <a:xfrm>
+          <a:off x="0" y="0"/>
+          <a:ext cx="0" cy="0"/>
+          <a:chOff x="0" y="0"/>
+          <a:chExt cx="0" cy="0"/>
+        </a:xfrm>
+      </p:grpSpPr>
+      <p:sp>
+        <p:nvSpPr>
+          <p:cNvPr id="2" name="TextBox 1">
+            <a:extLst>
+              <a:ext uri="{FF2B5EF4-FFF2-40B4-BE49-F238E27FC236}">
+                <a16:creationId xmlns:a16="http://schemas.microsoft.com/office/drawing/2014/main" id="{1D70F97B-8F3C-C2D5-4672-B5E454049D05}"/>
+              </a:ext>
+            </a:extLst>
+          </p:cNvPr>
+          <p:cNvSpPr txBox="1"/>
+          <p:nvPr/>
+        </p:nvSpPr>
+        <p:spPr>
+          <a:xfrm>
+            <a:off x="180304" y="128789"/>
+            <a:ext cx="4137671" cy="923330"/>
+          </a:xfrm>
+          <a:prstGeom prst="rect">
+            <a:avLst/>
+          </a:prstGeom>
+          <a:noFill/>
+        </p:spPr>
+        <p:txBody>
+          <a:bodyPr wrap="none" rtlCol="0">
+            <a:spAutoFit/>
+          </a:bodyPr>
+          <a:lstStyle/>
+          <a:p>
+            <a:r>
+              <a:rPr lang="en-US" altLang="ko-KR" dirty="0"/>
+              <a:t>Spread / (</a:t>
+            </a:r>
+            <a:r>
+              <a:rPr lang="ko-KR" altLang="en-US" dirty="0"/>
+              <a:t>전개 연산자</a:t>
+            </a:r>
+            <a:r>
+              <a:rPr lang="en-US" altLang="ko-KR" dirty="0"/>
+              <a:t>)</a:t>
+            </a:r>
+          </a:p>
+          <a:p>
+            <a:endParaRPr lang="en-US" altLang="ko-KR" dirty="0"/>
+          </a:p>
+          <a:p>
+            <a:r>
+              <a:rPr lang="ko-KR" altLang="en-US" dirty="0"/>
+              <a:t>다른 배열을 가져와 대입할 경우 사용</a:t>
+            </a:r>
+            <a:endParaRPr lang="en-US" altLang="ko-KR" dirty="0"/>
+          </a:p>
+        </p:txBody>
+      </p:sp>
+      <p:pic>
+        <p:nvPicPr>
+          <p:cNvPr id="4" name="그림 3">
+            <a:extLst>
+              <a:ext uri="{FF2B5EF4-FFF2-40B4-BE49-F238E27FC236}">
+                <a16:creationId xmlns:a16="http://schemas.microsoft.com/office/drawing/2014/main" id="{FCFFB1CE-139F-E87C-7D56-31F16F4F37F7}"/>
+              </a:ext>
+            </a:extLst>
+          </p:cNvPr>
+          <p:cNvPicPr>
+            <a:picLocks noChangeAspect="1"/>
+          </p:cNvPicPr>
+          <p:nvPr/>
+        </p:nvPicPr>
+        <p:blipFill>
+          <a:blip r:embed="rId2"/>
+          <a:stretch>
+            <a:fillRect/>
+          </a:stretch>
+        </p:blipFill>
+        <p:spPr>
+          <a:xfrm>
+            <a:off x="6218039" y="196402"/>
+            <a:ext cx="5598378" cy="2082773"/>
+          </a:xfrm>
+          <a:prstGeom prst="rect">
+            <a:avLst/>
+          </a:prstGeom>
+        </p:spPr>
+      </p:pic>
+      <p:pic>
+        <p:nvPicPr>
+          <p:cNvPr id="6" name="그림 5">
+            <a:extLst>
+              <a:ext uri="{FF2B5EF4-FFF2-40B4-BE49-F238E27FC236}">
+                <a16:creationId xmlns:a16="http://schemas.microsoft.com/office/drawing/2014/main" id="{B5F79AEF-3229-4002-276E-BB12DAAE6BCC}"/>
+              </a:ext>
+            </a:extLst>
+          </p:cNvPr>
+          <p:cNvPicPr>
+            <a:picLocks noChangeAspect="1"/>
+          </p:cNvPicPr>
+          <p:nvPr/>
+        </p:nvPicPr>
+        <p:blipFill>
+          <a:blip r:embed="rId3"/>
+          <a:stretch>
+            <a:fillRect/>
+          </a:stretch>
+        </p:blipFill>
+        <p:spPr>
+          <a:xfrm>
+            <a:off x="6218039" y="2808707"/>
+            <a:ext cx="4077269" cy="390580"/>
+          </a:xfrm>
+          <a:prstGeom prst="rect">
+            <a:avLst/>
+          </a:prstGeom>
+        </p:spPr>
+      </p:pic>
+      <p:pic>
+        <p:nvPicPr>
+          <p:cNvPr id="8" name="그림 7">
+            <a:extLst>
+              <a:ext uri="{FF2B5EF4-FFF2-40B4-BE49-F238E27FC236}">
+                <a16:creationId xmlns:a16="http://schemas.microsoft.com/office/drawing/2014/main" id="{F7ABFEF2-ABC8-0DD7-C474-78D5F9294657}"/>
+              </a:ext>
+            </a:extLst>
+          </p:cNvPr>
+          <p:cNvPicPr>
+            <a:picLocks noChangeAspect="1"/>
+          </p:cNvPicPr>
+          <p:nvPr/>
+        </p:nvPicPr>
+        <p:blipFill>
+          <a:blip r:embed="rId4"/>
+          <a:stretch>
+            <a:fillRect/>
+          </a:stretch>
+        </p:blipFill>
+        <p:spPr>
+          <a:xfrm>
+            <a:off x="180304" y="3429000"/>
+            <a:ext cx="6963747" cy="1390844"/>
+          </a:xfrm>
+          <a:prstGeom prst="rect">
+            <a:avLst/>
+          </a:prstGeom>
+        </p:spPr>
+      </p:pic>
+      <p:pic>
+        <p:nvPicPr>
+          <p:cNvPr id="10" name="그림 9">
+            <a:extLst>
+              <a:ext uri="{FF2B5EF4-FFF2-40B4-BE49-F238E27FC236}">
+                <a16:creationId xmlns:a16="http://schemas.microsoft.com/office/drawing/2014/main" id="{E2D3F7A5-5E55-10A2-7215-78BA863DDD60}"/>
+              </a:ext>
+            </a:extLst>
+          </p:cNvPr>
+          <p:cNvPicPr>
+            <a:picLocks noChangeAspect="1"/>
+          </p:cNvPicPr>
+          <p:nvPr/>
+        </p:nvPicPr>
+        <p:blipFill>
+          <a:blip r:embed="rId5"/>
+          <a:stretch>
+            <a:fillRect/>
+          </a:stretch>
+        </p:blipFill>
+        <p:spPr>
+          <a:xfrm>
+            <a:off x="180304" y="4962625"/>
+            <a:ext cx="4059126" cy="1631358"/>
+          </a:xfrm>
+          <a:prstGeom prst="rect">
+            <a:avLst/>
+          </a:prstGeom>
+        </p:spPr>
+      </p:pic>
+      <p:sp>
+        <p:nvSpPr>
+          <p:cNvPr id="11" name="TextBox 10">
+            <a:extLst>
+              <a:ext uri="{FF2B5EF4-FFF2-40B4-BE49-F238E27FC236}">
+                <a16:creationId xmlns:a16="http://schemas.microsoft.com/office/drawing/2014/main" id="{2B3A9A25-5AA8-F175-18C7-C41B7930910B}"/>
+              </a:ext>
+            </a:extLst>
+          </p:cNvPr>
+          <p:cNvSpPr txBox="1"/>
+          <p:nvPr/>
+        </p:nvSpPr>
+        <p:spPr>
+          <a:xfrm>
+            <a:off x="7714445" y="3928056"/>
+            <a:ext cx="3594254" cy="923330"/>
+          </a:xfrm>
+          <a:prstGeom prst="rect">
+            <a:avLst/>
+          </a:prstGeom>
+          <a:noFill/>
+        </p:spPr>
+        <p:txBody>
+          <a:bodyPr wrap="none" rtlCol="0">
+            <a:spAutoFit/>
+          </a:bodyPr>
+          <a:lstStyle/>
+          <a:p>
+            <a:r>
+              <a:rPr lang="ko-KR" altLang="en-US" dirty="0"/>
+              <a:t>동일 키에 </a:t>
+            </a:r>
+            <a:r>
+              <a:rPr lang="ko-KR" altLang="en-US" dirty="0" err="1"/>
+              <a:t>밸류</a:t>
+            </a:r>
+            <a:r>
+              <a:rPr lang="ko-KR" altLang="en-US" dirty="0"/>
+              <a:t> 입력 시 덮어쓰기</a:t>
+            </a:r>
+            <a:endParaRPr lang="en-US" altLang="ko-KR" dirty="0"/>
+          </a:p>
+          <a:p>
+            <a:endParaRPr lang="en-US" altLang="ko-KR" dirty="0"/>
+          </a:p>
+          <a:p>
+            <a:r>
+              <a:rPr lang="ko-KR" altLang="en-US" dirty="0"/>
+              <a:t>키</a:t>
+            </a:r>
+            <a:r>
+              <a:rPr lang="en-US" altLang="ko-KR" dirty="0"/>
+              <a:t>, </a:t>
+            </a:r>
+            <a:r>
+              <a:rPr lang="ko-KR" altLang="en-US" dirty="0" err="1"/>
+              <a:t>밸류</a:t>
+            </a:r>
+            <a:r>
+              <a:rPr lang="ko-KR" altLang="en-US" dirty="0"/>
+              <a:t> 추가 가능</a:t>
+            </a:r>
+          </a:p>
+        </p:txBody>
+      </p:sp>
+    </p:spTree>
+    <p:extLst>
+      <p:ext uri="{BB962C8B-B14F-4D97-AF65-F5344CB8AC3E}">
+        <p14:creationId xmlns:p14="http://schemas.microsoft.com/office/powerpoint/2010/main" val="3602410605"/>
+      </p:ext>
+    </p:extLst>
+  </p:cSld>
+  <p:clrMapOvr>
+    <a:masterClrMapping/>
+  </p:clrMapOvr>
+</p:sld>
+</file>
+
+<file path=ppt/slides/slide8.xml><?xml version="1.0" encoding="utf-8"?>
+<p:sld xmlns:a="http://schemas.openxmlformats.org/drawingml/2006/main" xmlns:r="http://schemas.openxmlformats.org/officeDocument/2006/relationships" xmlns:p="http://schemas.openxmlformats.org/presentationml/2006/main">
+  <p:cSld>
+    <p:spTree>
+      <p:nvGrpSpPr>
+        <p:cNvPr id="1" name=""/>
+        <p:cNvGrpSpPr/>
+        <p:nvPr/>
+      </p:nvGrpSpPr>
+      <p:grpSpPr>
+        <a:xfrm>
+          <a:off x="0" y="0"/>
+          <a:ext cx="0" cy="0"/>
+          <a:chOff x="0" y="0"/>
+          <a:chExt cx="0" cy="0"/>
+        </a:xfrm>
+      </p:grpSpPr>
+      <p:sp>
+        <p:nvSpPr>
+          <p:cNvPr id="2" name="TextBox 1">
+            <a:extLst>
+              <a:ext uri="{FF2B5EF4-FFF2-40B4-BE49-F238E27FC236}">
+                <a16:creationId xmlns:a16="http://schemas.microsoft.com/office/drawing/2014/main" id="{47B1BA34-B2EF-BF01-4A88-EB3AC49F29BA}"/>
+              </a:ext>
+            </a:extLst>
+          </p:cNvPr>
+          <p:cNvSpPr txBox="1"/>
+          <p:nvPr/>
+        </p:nvSpPr>
+        <p:spPr>
+          <a:xfrm>
+            <a:off x="141668" y="128788"/>
+            <a:ext cx="1056700" cy="369332"/>
+          </a:xfrm>
+          <a:prstGeom prst="rect">
+            <a:avLst/>
+          </a:prstGeom>
+          <a:noFill/>
+        </p:spPr>
+        <p:txBody>
+          <a:bodyPr wrap="none" rtlCol="0">
+            <a:spAutoFit/>
+          </a:bodyPr>
+          <a:lstStyle/>
+          <a:p>
+            <a:r>
+              <a:rPr lang="en-US" altLang="ko-KR" dirty="0"/>
+              <a:t>Destruct</a:t>
+            </a:r>
+            <a:endParaRPr lang="ko-KR" altLang="en-US" dirty="0"/>
+          </a:p>
+        </p:txBody>
+      </p:sp>
+      <p:pic>
+        <p:nvPicPr>
+          <p:cNvPr id="4" name="그림 3">
+            <a:extLst>
+              <a:ext uri="{FF2B5EF4-FFF2-40B4-BE49-F238E27FC236}">
+                <a16:creationId xmlns:a16="http://schemas.microsoft.com/office/drawing/2014/main" id="{4BB684C3-CF9F-3A68-28D1-4AC0141503EE}"/>
+              </a:ext>
+            </a:extLst>
+          </p:cNvPr>
+          <p:cNvPicPr>
+            <a:picLocks noChangeAspect="1"/>
+          </p:cNvPicPr>
+          <p:nvPr/>
+        </p:nvPicPr>
+        <p:blipFill>
+          <a:blip r:embed="rId2"/>
+          <a:stretch>
+            <a:fillRect/>
+          </a:stretch>
+        </p:blipFill>
+        <p:spPr>
+          <a:xfrm>
+            <a:off x="326338" y="604661"/>
+            <a:ext cx="4345403" cy="937536"/>
+          </a:xfrm>
+          <a:prstGeom prst="rect">
+            <a:avLst/>
+          </a:prstGeom>
+        </p:spPr>
+      </p:pic>
+      <p:sp>
+        <p:nvSpPr>
+          <p:cNvPr id="5" name="TextBox 4">
+            <a:extLst>
+              <a:ext uri="{FF2B5EF4-FFF2-40B4-BE49-F238E27FC236}">
+                <a16:creationId xmlns:a16="http://schemas.microsoft.com/office/drawing/2014/main" id="{0D7D5319-CF01-76AA-78EC-347104AD76BD}"/>
+              </a:ext>
+            </a:extLst>
+          </p:cNvPr>
+          <p:cNvSpPr txBox="1"/>
+          <p:nvPr/>
+        </p:nvSpPr>
+        <p:spPr>
+          <a:xfrm>
+            <a:off x="5383369" y="604661"/>
+            <a:ext cx="4256293" cy="369332"/>
+          </a:xfrm>
+          <a:prstGeom prst="rect">
+            <a:avLst/>
+          </a:prstGeom>
+          <a:noFill/>
+        </p:spPr>
+        <p:txBody>
+          <a:bodyPr wrap="none" rtlCol="0">
+            <a:spAutoFit/>
+          </a:bodyPr>
+          <a:lstStyle/>
+          <a:p>
+            <a:r>
+              <a:rPr lang="ko-KR" altLang="en-US" dirty="0"/>
+              <a:t>배열의 요소를 알아서 변수에 담아준다</a:t>
+            </a:r>
+            <a:r>
+              <a:rPr lang="en-US" altLang="ko-KR" dirty="0"/>
+              <a:t>.</a:t>
+            </a:r>
+            <a:endParaRPr lang="ko-KR" altLang="en-US" dirty="0"/>
+          </a:p>
+        </p:txBody>
+      </p:sp>
+      <p:pic>
+        <p:nvPicPr>
+          <p:cNvPr id="7" name="그림 6">
+            <a:extLst>
+              <a:ext uri="{FF2B5EF4-FFF2-40B4-BE49-F238E27FC236}">
+                <a16:creationId xmlns:a16="http://schemas.microsoft.com/office/drawing/2014/main" id="{E49F5AA7-F543-60FD-4645-685CCCF6938F}"/>
+              </a:ext>
+            </a:extLst>
+          </p:cNvPr>
+          <p:cNvPicPr>
+            <a:picLocks noChangeAspect="1"/>
+          </p:cNvPicPr>
+          <p:nvPr/>
+        </p:nvPicPr>
+        <p:blipFill>
+          <a:blip r:embed="rId3"/>
+          <a:stretch>
+            <a:fillRect/>
+          </a:stretch>
+        </p:blipFill>
+        <p:spPr>
+          <a:xfrm>
+            <a:off x="143414" y="2852120"/>
+            <a:ext cx="3277057" cy="1752845"/>
+          </a:xfrm>
+          <a:prstGeom prst="rect">
+            <a:avLst/>
+          </a:prstGeom>
+        </p:spPr>
+      </p:pic>
+      <p:sp>
+        <p:nvSpPr>
+          <p:cNvPr id="8" name="TextBox 7">
+            <a:extLst>
+              <a:ext uri="{FF2B5EF4-FFF2-40B4-BE49-F238E27FC236}">
+                <a16:creationId xmlns:a16="http://schemas.microsoft.com/office/drawing/2014/main" id="{AF62293E-E03F-F4AF-E45D-6750AE1F4249}"/>
+              </a:ext>
+            </a:extLst>
+          </p:cNvPr>
+          <p:cNvSpPr txBox="1"/>
+          <p:nvPr/>
+        </p:nvSpPr>
+        <p:spPr>
+          <a:xfrm>
+            <a:off x="143414" y="2270009"/>
+            <a:ext cx="1223412" cy="369332"/>
+          </a:xfrm>
+          <a:prstGeom prst="rect">
+            <a:avLst/>
+          </a:prstGeom>
+          <a:noFill/>
+        </p:spPr>
+        <p:txBody>
+          <a:bodyPr wrap="none" rtlCol="0">
+            <a:spAutoFit/>
+          </a:bodyPr>
+          <a:lstStyle/>
+          <a:p>
+            <a:r>
+              <a:rPr lang="en-US" altLang="ko-KR" dirty="0"/>
+              <a:t>MAP</a:t>
+            </a:r>
+            <a:r>
+              <a:rPr lang="ko-KR" altLang="en-US" dirty="0"/>
+              <a:t> 함수</a:t>
+            </a:r>
+          </a:p>
+        </p:txBody>
+      </p:sp>
+      <p:pic>
+        <p:nvPicPr>
+          <p:cNvPr id="10" name="그림 9">
+            <a:extLst>
+              <a:ext uri="{FF2B5EF4-FFF2-40B4-BE49-F238E27FC236}">
+                <a16:creationId xmlns:a16="http://schemas.microsoft.com/office/drawing/2014/main" id="{3A7E36E6-2F27-43D9-41E8-44CE657BBB88}"/>
+              </a:ext>
+            </a:extLst>
+          </p:cNvPr>
+          <p:cNvPicPr>
+            <a:picLocks noChangeAspect="1"/>
+          </p:cNvPicPr>
+          <p:nvPr/>
+        </p:nvPicPr>
+        <p:blipFill>
+          <a:blip r:embed="rId4"/>
+          <a:stretch>
+            <a:fillRect/>
+          </a:stretch>
+        </p:blipFill>
+        <p:spPr>
+          <a:xfrm>
+            <a:off x="326338" y="4879355"/>
+            <a:ext cx="3029373" cy="466790"/>
+          </a:xfrm>
+          <a:prstGeom prst="rect">
+            <a:avLst/>
+          </a:prstGeom>
+        </p:spPr>
+      </p:pic>
+      <p:pic>
+        <p:nvPicPr>
+          <p:cNvPr id="12" name="그림 11">
+            <a:extLst>
+              <a:ext uri="{FF2B5EF4-FFF2-40B4-BE49-F238E27FC236}">
+                <a16:creationId xmlns:a16="http://schemas.microsoft.com/office/drawing/2014/main" id="{9D0BA6DE-43C5-C868-BD70-BF12BDB712B1}"/>
+              </a:ext>
+            </a:extLst>
+          </p:cNvPr>
+          <p:cNvPicPr>
+            <a:picLocks noChangeAspect="1"/>
+          </p:cNvPicPr>
+          <p:nvPr/>
+        </p:nvPicPr>
+        <p:blipFill>
+          <a:blip r:embed="rId5"/>
+          <a:stretch>
+            <a:fillRect/>
+          </a:stretch>
+        </p:blipFill>
+        <p:spPr>
+          <a:xfrm>
+            <a:off x="3599454" y="4731697"/>
+            <a:ext cx="752580" cy="762106"/>
+          </a:xfrm>
+          <a:prstGeom prst="rect">
+            <a:avLst/>
+          </a:prstGeom>
+        </p:spPr>
+      </p:pic>
+      <p:pic>
+        <p:nvPicPr>
+          <p:cNvPr id="14" name="그림 13">
+            <a:extLst>
+              <a:ext uri="{FF2B5EF4-FFF2-40B4-BE49-F238E27FC236}">
+                <a16:creationId xmlns:a16="http://schemas.microsoft.com/office/drawing/2014/main" id="{A352A5A8-CEB3-67D9-F566-CB0CF1F4D04E}"/>
+              </a:ext>
+            </a:extLst>
+          </p:cNvPr>
+          <p:cNvPicPr>
+            <a:picLocks noChangeAspect="1"/>
+          </p:cNvPicPr>
+          <p:nvPr/>
+        </p:nvPicPr>
+        <p:blipFill>
+          <a:blip r:embed="rId6"/>
+          <a:stretch>
+            <a:fillRect/>
+          </a:stretch>
+        </p:blipFill>
+        <p:spPr>
+          <a:xfrm>
+            <a:off x="5844998" y="5726485"/>
+            <a:ext cx="962159" cy="647790"/>
+          </a:xfrm>
+          <a:prstGeom prst="rect">
+            <a:avLst/>
+          </a:prstGeom>
+        </p:spPr>
+      </p:pic>
+      <p:pic>
+        <p:nvPicPr>
+          <p:cNvPr id="16" name="그림 15">
+            <a:extLst>
+              <a:ext uri="{FF2B5EF4-FFF2-40B4-BE49-F238E27FC236}">
+                <a16:creationId xmlns:a16="http://schemas.microsoft.com/office/drawing/2014/main" id="{B51AD1DA-98F5-5D11-FF50-D721FDCF6645}"/>
+              </a:ext>
+            </a:extLst>
+          </p:cNvPr>
+          <p:cNvPicPr>
+            <a:picLocks noChangeAspect="1"/>
+          </p:cNvPicPr>
+          <p:nvPr/>
+        </p:nvPicPr>
+        <p:blipFill>
+          <a:blip r:embed="rId7"/>
+          <a:stretch>
+            <a:fillRect/>
+          </a:stretch>
+        </p:blipFill>
+        <p:spPr>
+          <a:xfrm>
+            <a:off x="417073" y="5681759"/>
+            <a:ext cx="5134692" cy="571580"/>
+          </a:xfrm>
+          <a:prstGeom prst="rect">
+            <a:avLst/>
+          </a:prstGeom>
+        </p:spPr>
+      </p:pic>
+      <p:sp>
+        <p:nvSpPr>
+          <p:cNvPr id="17" name="TextBox 16">
+            <a:extLst>
+              <a:ext uri="{FF2B5EF4-FFF2-40B4-BE49-F238E27FC236}">
+                <a16:creationId xmlns:a16="http://schemas.microsoft.com/office/drawing/2014/main" id="{FB73E0B4-1E33-25AD-A02D-7F973816AF39}"/>
+              </a:ext>
+            </a:extLst>
+          </p:cNvPr>
+          <p:cNvSpPr txBox="1"/>
+          <p:nvPr/>
+        </p:nvSpPr>
+        <p:spPr>
+          <a:xfrm>
+            <a:off x="3599454" y="2267566"/>
+            <a:ext cx="7237879" cy="646331"/>
+          </a:xfrm>
+          <a:prstGeom prst="rect">
+            <a:avLst/>
+          </a:prstGeom>
+          <a:noFill/>
+        </p:spPr>
+        <p:txBody>
+          <a:bodyPr wrap="none" rtlCol="0">
+            <a:spAutoFit/>
+          </a:bodyPr>
+          <a:lstStyle/>
+          <a:p>
+            <a:r>
+              <a:rPr lang="ko-KR" altLang="en-US" dirty="0"/>
+              <a:t>매개변수로 </a:t>
+            </a:r>
+            <a:r>
+              <a:rPr lang="en-US" altLang="ko-KR" dirty="0"/>
+              <a:t>function </a:t>
+            </a:r>
+            <a:r>
+              <a:rPr lang="ko-KR" altLang="en-US" dirty="0"/>
+              <a:t>사용 </a:t>
+            </a:r>
+            <a:r>
+              <a:rPr lang="en-US" altLang="ko-KR" dirty="0"/>
+              <a:t>&gt; e </a:t>
+            </a:r>
+            <a:r>
+              <a:rPr lang="ko-KR" altLang="en-US" dirty="0"/>
+              <a:t>는 항목 </a:t>
+            </a:r>
+            <a:r>
+              <a:rPr lang="en-US" altLang="ko-KR" dirty="0"/>
+              <a:t>index</a:t>
+            </a:r>
+            <a:r>
+              <a:rPr lang="ko-KR" altLang="en-US" dirty="0"/>
+              <a:t>는 선택사항으로 배열의</a:t>
+            </a:r>
+            <a:endParaRPr lang="en-US" altLang="ko-KR" dirty="0"/>
+          </a:p>
+          <a:p>
+            <a:r>
+              <a:rPr lang="ko-KR" altLang="en-US" dirty="0"/>
+              <a:t>위치 표기</a:t>
+            </a:r>
+            <a:endParaRPr lang="en-US" altLang="ko-KR" dirty="0"/>
+          </a:p>
+        </p:txBody>
+      </p:sp>
+      <p:pic>
+        <p:nvPicPr>
+          <p:cNvPr id="21" name="그림 20">
+            <a:extLst>
+              <a:ext uri="{FF2B5EF4-FFF2-40B4-BE49-F238E27FC236}">
+                <a16:creationId xmlns:a16="http://schemas.microsoft.com/office/drawing/2014/main" id="{AED4B4A0-4C45-9682-7054-7254DE3AC67A}"/>
+              </a:ext>
+            </a:extLst>
+          </p:cNvPr>
+          <p:cNvPicPr>
+            <a:picLocks noChangeAspect="1"/>
+          </p:cNvPicPr>
+          <p:nvPr/>
+        </p:nvPicPr>
+        <p:blipFill>
+          <a:blip r:embed="rId8"/>
+          <a:stretch>
+            <a:fillRect/>
+          </a:stretch>
+        </p:blipFill>
+        <p:spPr>
+          <a:xfrm>
+            <a:off x="5727522" y="4355407"/>
+            <a:ext cx="2981741" cy="990738"/>
+          </a:xfrm>
+          <a:prstGeom prst="rect">
+            <a:avLst/>
+          </a:prstGeom>
+        </p:spPr>
+      </p:pic>
+      <p:pic>
+        <p:nvPicPr>
+          <p:cNvPr id="23" name="그림 22">
+            <a:extLst>
+              <a:ext uri="{FF2B5EF4-FFF2-40B4-BE49-F238E27FC236}">
+                <a16:creationId xmlns:a16="http://schemas.microsoft.com/office/drawing/2014/main" id="{136B44AC-ED2C-F914-F5CF-1DDE9C5726D9}"/>
+              </a:ext>
+            </a:extLst>
+          </p:cNvPr>
+          <p:cNvPicPr>
+            <a:picLocks noChangeAspect="1"/>
+          </p:cNvPicPr>
+          <p:nvPr/>
+        </p:nvPicPr>
+        <p:blipFill>
+          <a:blip r:embed="rId9"/>
+          <a:stretch>
+            <a:fillRect/>
+          </a:stretch>
+        </p:blipFill>
+        <p:spPr>
+          <a:xfrm>
+            <a:off x="9132120" y="4731697"/>
+            <a:ext cx="1705213" cy="266737"/>
+          </a:xfrm>
+          <a:prstGeom prst="rect">
+            <a:avLst/>
+          </a:prstGeom>
+        </p:spPr>
+      </p:pic>
+      <p:pic>
+        <p:nvPicPr>
+          <p:cNvPr id="25" name="그림 24">
+            <a:extLst>
+              <a:ext uri="{FF2B5EF4-FFF2-40B4-BE49-F238E27FC236}">
+                <a16:creationId xmlns:a16="http://schemas.microsoft.com/office/drawing/2014/main" id="{714F28B7-DA2A-719B-AAD5-0A4432CF8638}"/>
+              </a:ext>
+            </a:extLst>
+          </p:cNvPr>
+          <p:cNvPicPr>
+            <a:picLocks noChangeAspect="1"/>
+          </p:cNvPicPr>
+          <p:nvPr/>
+        </p:nvPicPr>
+        <p:blipFill>
+          <a:blip r:embed="rId10"/>
+          <a:stretch>
+            <a:fillRect/>
+          </a:stretch>
+        </p:blipFill>
+        <p:spPr>
+          <a:xfrm>
+            <a:off x="7708998" y="5597879"/>
+            <a:ext cx="1000265" cy="257211"/>
+          </a:xfrm>
+          <a:prstGeom prst="rect">
+            <a:avLst/>
+          </a:prstGeom>
+        </p:spPr>
+      </p:pic>
+      <p:pic>
+        <p:nvPicPr>
+          <p:cNvPr id="27" name="그림 26">
+            <a:extLst>
+              <a:ext uri="{FF2B5EF4-FFF2-40B4-BE49-F238E27FC236}">
+                <a16:creationId xmlns:a16="http://schemas.microsoft.com/office/drawing/2014/main" id="{4747FBAD-4495-6748-F375-1FDAE98405E3}"/>
+              </a:ext>
+            </a:extLst>
+          </p:cNvPr>
+          <p:cNvPicPr>
+            <a:picLocks noChangeAspect="1"/>
+          </p:cNvPicPr>
+          <p:nvPr/>
+        </p:nvPicPr>
+        <p:blipFill>
+          <a:blip r:embed="rId11"/>
+          <a:stretch>
+            <a:fillRect/>
+          </a:stretch>
+        </p:blipFill>
+        <p:spPr>
+          <a:xfrm>
+            <a:off x="8841566" y="5672653"/>
+            <a:ext cx="2286319" cy="924054"/>
+          </a:xfrm>
+          <a:prstGeom prst="rect">
+            <a:avLst/>
+          </a:prstGeom>
+        </p:spPr>
+      </p:pic>
+      <p:sp>
+        <p:nvSpPr>
+          <p:cNvPr id="28" name="TextBox 27">
+            <a:extLst>
+              <a:ext uri="{FF2B5EF4-FFF2-40B4-BE49-F238E27FC236}">
+                <a16:creationId xmlns:a16="http://schemas.microsoft.com/office/drawing/2014/main" id="{2C503DF6-58BB-B924-F654-B0EB48B70569}"/>
+              </a:ext>
+            </a:extLst>
+          </p:cNvPr>
+          <p:cNvSpPr txBox="1"/>
+          <p:nvPr/>
+        </p:nvSpPr>
+        <p:spPr>
+          <a:xfrm>
+            <a:off x="7708998" y="6412088"/>
+            <a:ext cx="2797561" cy="369332"/>
+          </a:xfrm>
+          <a:prstGeom prst="rect">
+            <a:avLst/>
+          </a:prstGeom>
+          <a:noFill/>
+        </p:spPr>
+        <p:txBody>
+          <a:bodyPr wrap="none" rtlCol="0">
+            <a:spAutoFit/>
+          </a:bodyPr>
+          <a:lstStyle/>
+          <a:p>
+            <a:r>
+              <a:rPr lang="en-US" altLang="ko-KR" dirty="0" err="1"/>
+              <a:t>Jsx</a:t>
+            </a:r>
+            <a:r>
+              <a:rPr lang="ko-KR" altLang="en-US" dirty="0"/>
+              <a:t> 형식으로 사용도 가능</a:t>
+            </a:r>
+          </a:p>
+        </p:txBody>
+      </p:sp>
+    </p:spTree>
+    <p:extLst>
+      <p:ext uri="{BB962C8B-B14F-4D97-AF65-F5344CB8AC3E}">
+        <p14:creationId xmlns:p14="http://schemas.microsoft.com/office/powerpoint/2010/main" val="1300951546"/>
+      </p:ext>
+    </p:extLst>
+  </p:cSld>
+  <p:clrMapOvr>
+    <a:masterClrMapping/>
+  </p:clrMapOvr>
+</p:sld>
+</file>
+
+<file path=ppt/slides/slide9.xml><?xml version="1.0" encoding="utf-8"?>
+<p:sld xmlns:a="http://schemas.openxmlformats.org/drawingml/2006/main" xmlns:r="http://schemas.openxmlformats.org/officeDocument/2006/relationships" xmlns:p="http://schemas.openxmlformats.org/presentationml/2006/main">
+  <p:cSld>
+    <p:spTree>
+      <p:nvGrpSpPr>
+        <p:cNvPr id="1" name=""/>
+        <p:cNvGrpSpPr/>
+        <p:nvPr/>
+      </p:nvGrpSpPr>
+      <p:grpSpPr>
+        <a:xfrm>
+          <a:off x="0" y="0"/>
+          <a:ext cx="0" cy="0"/>
+          <a:chOff x="0" y="0"/>
+          <a:chExt cx="0" cy="0"/>
+        </a:xfrm>
+      </p:grpSpPr>
+      <p:pic>
+        <p:nvPicPr>
+          <p:cNvPr id="3" name="그림 2">
+            <a:extLst>
+              <a:ext uri="{FF2B5EF4-FFF2-40B4-BE49-F238E27FC236}">
+                <a16:creationId xmlns:a16="http://schemas.microsoft.com/office/drawing/2014/main" id="{DD7B62BE-D704-7EE7-A15A-0CEE70CB8C7E}"/>
+              </a:ext>
+            </a:extLst>
+          </p:cNvPr>
+          <p:cNvPicPr>
+            <a:picLocks noChangeAspect="1"/>
+          </p:cNvPicPr>
+          <p:nvPr/>
+        </p:nvPicPr>
+        <p:blipFill>
+          <a:blip r:embed="rId2"/>
+          <a:stretch>
+            <a:fillRect/>
+          </a:stretch>
+        </p:blipFill>
+        <p:spPr>
+          <a:xfrm>
+            <a:off x="0" y="0"/>
+            <a:ext cx="4296375" cy="1295581"/>
+          </a:xfrm>
+          <a:prstGeom prst="rect">
+            <a:avLst/>
+          </a:prstGeom>
+        </p:spPr>
+      </p:pic>
+      <p:pic>
+        <p:nvPicPr>
+          <p:cNvPr id="5" name="그림 4">
+            <a:extLst>
+              <a:ext uri="{FF2B5EF4-FFF2-40B4-BE49-F238E27FC236}">
+                <a16:creationId xmlns:a16="http://schemas.microsoft.com/office/drawing/2014/main" id="{F587DF0B-0066-42BF-D499-D1F218373D4B}"/>
+              </a:ext>
+            </a:extLst>
+          </p:cNvPr>
+          <p:cNvPicPr>
+            <a:picLocks noChangeAspect="1"/>
+          </p:cNvPicPr>
+          <p:nvPr/>
+        </p:nvPicPr>
+        <p:blipFill>
+          <a:blip r:embed="rId3"/>
+          <a:stretch>
+            <a:fillRect/>
+          </a:stretch>
+        </p:blipFill>
+        <p:spPr>
+          <a:xfrm>
+            <a:off x="5248157" y="261973"/>
+            <a:ext cx="847843" cy="771633"/>
+          </a:xfrm>
+          <a:prstGeom prst="rect">
+            <a:avLst/>
+          </a:prstGeom>
+        </p:spPr>
+      </p:pic>
+      <p:pic>
+        <p:nvPicPr>
+          <p:cNvPr id="7" name="그림 6">
+            <a:extLst>
+              <a:ext uri="{FF2B5EF4-FFF2-40B4-BE49-F238E27FC236}">
+                <a16:creationId xmlns:a16="http://schemas.microsoft.com/office/drawing/2014/main" id="{610AF594-D4B2-BF04-4B05-9479977CBFF1}"/>
+              </a:ext>
+            </a:extLst>
+          </p:cNvPr>
+          <p:cNvPicPr>
+            <a:picLocks noChangeAspect="1"/>
+          </p:cNvPicPr>
+          <p:nvPr/>
+        </p:nvPicPr>
+        <p:blipFill>
+          <a:blip r:embed="rId4"/>
+          <a:stretch>
+            <a:fillRect/>
+          </a:stretch>
+        </p:blipFill>
+        <p:spPr>
+          <a:xfrm>
+            <a:off x="264634" y="2072633"/>
+            <a:ext cx="4324954" cy="1629002"/>
+          </a:xfrm>
+          <a:prstGeom prst="rect">
+            <a:avLst/>
+          </a:prstGeom>
+        </p:spPr>
+      </p:pic>
+      <p:pic>
+        <p:nvPicPr>
+          <p:cNvPr id="9" name="그림 8">
+            <a:extLst>
+              <a:ext uri="{FF2B5EF4-FFF2-40B4-BE49-F238E27FC236}">
+                <a16:creationId xmlns:a16="http://schemas.microsoft.com/office/drawing/2014/main" id="{6FF4823E-3638-E5DC-125A-5F33B1A89F4F}"/>
+              </a:ext>
+            </a:extLst>
+          </p:cNvPr>
+          <p:cNvPicPr>
+            <a:picLocks noChangeAspect="1"/>
+          </p:cNvPicPr>
+          <p:nvPr/>
+        </p:nvPicPr>
+        <p:blipFill>
+          <a:blip r:embed="rId5"/>
+          <a:stretch>
+            <a:fillRect/>
+          </a:stretch>
+        </p:blipFill>
+        <p:spPr>
+          <a:xfrm>
+            <a:off x="5218188" y="2303205"/>
+            <a:ext cx="2035856" cy="947994"/>
+          </a:xfrm>
+          <a:prstGeom prst="rect">
+            <a:avLst/>
+          </a:prstGeom>
+        </p:spPr>
+      </p:pic>
+      <p:sp>
+        <p:nvSpPr>
+          <p:cNvPr id="10" name="TextBox 9">
+            <a:extLst>
+              <a:ext uri="{FF2B5EF4-FFF2-40B4-BE49-F238E27FC236}">
+                <a16:creationId xmlns:a16="http://schemas.microsoft.com/office/drawing/2014/main" id="{FAE90F9B-C92F-11D7-E697-B880F21BC58C}"/>
+              </a:ext>
+            </a:extLst>
+          </p:cNvPr>
+          <p:cNvSpPr txBox="1"/>
+          <p:nvPr/>
+        </p:nvSpPr>
+        <p:spPr>
+          <a:xfrm>
+            <a:off x="7602414" y="2592536"/>
+            <a:ext cx="2656496" cy="369332"/>
+          </a:xfrm>
+          <a:prstGeom prst="rect">
+            <a:avLst/>
+          </a:prstGeom>
+          <a:noFill/>
+        </p:spPr>
+        <p:txBody>
+          <a:bodyPr wrap="none" rtlCol="0">
+            <a:spAutoFit/>
+          </a:bodyPr>
+          <a:lstStyle/>
+          <a:p>
+            <a:r>
+              <a:rPr lang="ko-KR" altLang="en-US"/>
+              <a:t>객체배열을 받아와 출력</a:t>
+            </a:r>
+          </a:p>
+        </p:txBody>
+      </p:sp>
+      <p:sp>
+        <p:nvSpPr>
+          <p:cNvPr id="11" name="TextBox 10">
+            <a:extLst>
+              <a:ext uri="{FF2B5EF4-FFF2-40B4-BE49-F238E27FC236}">
+                <a16:creationId xmlns:a16="http://schemas.microsoft.com/office/drawing/2014/main" id="{AA6D78EE-79FC-F2E3-328C-75A631337799}"/>
+              </a:ext>
+            </a:extLst>
+          </p:cNvPr>
+          <p:cNvSpPr txBox="1"/>
+          <p:nvPr/>
+        </p:nvSpPr>
+        <p:spPr>
+          <a:xfrm>
+            <a:off x="6834770" y="463123"/>
+            <a:ext cx="2738250" cy="369332"/>
+          </a:xfrm>
+          <a:prstGeom prst="rect">
+            <a:avLst/>
+          </a:prstGeom>
+          <a:noFill/>
+        </p:spPr>
+        <p:txBody>
+          <a:bodyPr wrap="none" rtlCol="0">
+            <a:spAutoFit/>
+          </a:bodyPr>
+          <a:lstStyle/>
+          <a:p>
+            <a:r>
+              <a:rPr lang="ko-KR" altLang="en-US" dirty="0"/>
+              <a:t>배열에서 </a:t>
+            </a:r>
+            <a:r>
+              <a:rPr lang="ko-KR" altLang="en-US"/>
+              <a:t>각 내용을 </a:t>
+            </a:r>
+            <a:r>
+              <a:rPr lang="ko-KR" altLang="en-US" dirty="0"/>
+              <a:t>출력</a:t>
+            </a:r>
+          </a:p>
+        </p:txBody>
+      </p:sp>
+    </p:spTree>
+    <p:extLst>
+      <p:ext uri="{BB962C8B-B14F-4D97-AF65-F5344CB8AC3E}">
+        <p14:creationId xmlns:p14="http://schemas.microsoft.com/office/powerpoint/2010/main" val="3951680439"/>
       </p:ext>
     </p:extLst>
   </p:cSld>

--- a/react/React.pptx
+++ b/react/React.pptx
@@ -3478,6 +3478,125 @@
           </a:prstGeom>
         </p:spPr>
       </p:pic>
+      <p:pic>
+        <p:nvPicPr>
+          <p:cNvPr id="5" name="그림 4">
+            <a:extLst>
+              <a:ext uri="{FF2B5EF4-FFF2-40B4-BE49-F238E27FC236}">
+                <a16:creationId xmlns:a16="http://schemas.microsoft.com/office/drawing/2014/main" id="{7F6A1053-3C95-78EF-3193-56963BFD8FE1}"/>
+              </a:ext>
+            </a:extLst>
+          </p:cNvPr>
+          <p:cNvPicPr>
+            <a:picLocks noChangeAspect="1"/>
+          </p:cNvPicPr>
+          <p:nvPr/>
+        </p:nvPicPr>
+        <p:blipFill>
+          <a:blip r:embed="rId3"/>
+          <a:stretch>
+            <a:fillRect/>
+          </a:stretch>
+        </p:blipFill>
+        <p:spPr>
+          <a:xfrm>
+            <a:off x="6096000" y="1381268"/>
+            <a:ext cx="428685" cy="1381318"/>
+          </a:xfrm>
+          <a:prstGeom prst="rect">
+            <a:avLst/>
+          </a:prstGeom>
+        </p:spPr>
+      </p:pic>
+      <p:pic>
+        <p:nvPicPr>
+          <p:cNvPr id="7" name="그림 6">
+            <a:extLst>
+              <a:ext uri="{FF2B5EF4-FFF2-40B4-BE49-F238E27FC236}">
+                <a16:creationId xmlns:a16="http://schemas.microsoft.com/office/drawing/2014/main" id="{459F099F-0EF3-51BF-A1F7-DB1CB0C78624}"/>
+              </a:ext>
+            </a:extLst>
+          </p:cNvPr>
+          <p:cNvPicPr>
+            <a:picLocks noChangeAspect="1"/>
+          </p:cNvPicPr>
+          <p:nvPr/>
+        </p:nvPicPr>
+        <p:blipFill>
+          <a:blip r:embed="rId4"/>
+          <a:stretch>
+            <a:fillRect/>
+          </a:stretch>
+        </p:blipFill>
+        <p:spPr>
+          <a:xfrm>
+            <a:off x="97536" y="1001530"/>
+            <a:ext cx="4448796" cy="2343477"/>
+          </a:xfrm>
+          <a:prstGeom prst="rect">
+            <a:avLst/>
+          </a:prstGeom>
+        </p:spPr>
+      </p:pic>
+      <p:sp>
+        <p:nvSpPr>
+          <p:cNvPr id="8" name="TextBox 7">
+            <a:extLst>
+              <a:ext uri="{FF2B5EF4-FFF2-40B4-BE49-F238E27FC236}">
+                <a16:creationId xmlns:a16="http://schemas.microsoft.com/office/drawing/2014/main" id="{EB844B76-1572-8B4B-29D4-2AB61045BC9D}"/>
+              </a:ext>
+            </a:extLst>
+          </p:cNvPr>
+          <p:cNvSpPr txBox="1"/>
+          <p:nvPr/>
+        </p:nvSpPr>
+        <p:spPr>
+          <a:xfrm>
+            <a:off x="5949696" y="816864"/>
+            <a:ext cx="6143028" cy="369332"/>
+          </a:xfrm>
+          <a:prstGeom prst="rect">
+            <a:avLst/>
+          </a:prstGeom>
+          <a:noFill/>
+        </p:spPr>
+        <p:txBody>
+          <a:bodyPr wrap="none" rtlCol="0">
+            <a:spAutoFit/>
+          </a:bodyPr>
+          <a:lstStyle/>
+          <a:p>
+            <a:r>
+              <a:rPr lang="ko-KR" altLang="en-US" dirty="0"/>
+              <a:t>무의미한 </a:t>
+            </a:r>
+            <a:r>
+              <a:rPr lang="en-US" altLang="ko-KR" dirty="0"/>
+              <a:t>div </a:t>
+            </a:r>
+            <a:r>
+              <a:rPr lang="ko-KR" altLang="en-US" dirty="0"/>
+              <a:t>보단 </a:t>
+            </a:r>
+            <a:r>
+              <a:rPr lang="en-US" altLang="ko-KR" dirty="0"/>
+              <a:t>(</a:t>
+            </a:r>
+            <a:r>
+              <a:rPr lang="ko-KR" altLang="en-US" dirty="0" err="1"/>
+              <a:t>프래그먼트</a:t>
+            </a:r>
+            <a:r>
+              <a:rPr lang="en-US" altLang="ko-KR" dirty="0"/>
+              <a:t>)</a:t>
+            </a:r>
+            <a:r>
+              <a:rPr lang="ko-KR" altLang="en-US" dirty="0"/>
+              <a:t> 아무것도 없는 요소 사용</a:t>
+            </a:r>
+          </a:p>
+        </p:txBody>
+      </p:sp>
     </p:spTree>
     <p:extLst>
       <p:ext uri="{BB962C8B-B14F-4D97-AF65-F5344CB8AC3E}">

--- a/react/React.pptx
+++ b/react/React.pptx
@@ -15,6 +15,9 @@
     <p:sldId id="263" r:id="rId9"/>
     <p:sldId id="264" r:id="rId10"/>
     <p:sldId id="265" r:id="rId11"/>
+    <p:sldId id="266" r:id="rId12"/>
+    <p:sldId id="267" r:id="rId13"/>
+    <p:sldId id="268" r:id="rId14"/>
   </p:sldIdLst>
   <p:sldSz cx="12192000" cy="6858000"/>
   <p:notesSz cx="6858000" cy="9144000"/>
@@ -300,7 +303,7 @@
           <a:p>
             <a:fld id="{6604B9EE-3394-4753-BBCA-788B28FEC1FC}" type="datetimeFigureOut">
               <a:rPr lang="ko-KR" altLang="en-US" smtClean="0"/>
-              <a:t>2023-06-09</a:t>
+              <a:t>2023-06-12</a:t>
             </a:fld>
             <a:endParaRPr lang="ko-KR" altLang="en-US"/>
           </a:p>
@@ -538,7 +541,7 @@
           <a:p>
             <a:fld id="{6604B9EE-3394-4753-BBCA-788B28FEC1FC}" type="datetimeFigureOut">
               <a:rPr lang="ko-KR" altLang="en-US" smtClean="0"/>
-              <a:t>2023-06-09</a:t>
+              <a:t>2023-06-12</a:t>
             </a:fld>
             <a:endParaRPr lang="ko-KR" altLang="en-US"/>
           </a:p>
@@ -873,7 +876,7 @@
           <a:p>
             <a:fld id="{6604B9EE-3394-4753-BBCA-788B28FEC1FC}" type="datetimeFigureOut">
               <a:rPr lang="ko-KR" altLang="en-US" smtClean="0"/>
-              <a:t>2023-06-09</a:t>
+              <a:t>2023-06-12</a:t>
             </a:fld>
             <a:endParaRPr lang="ko-KR" altLang="en-US"/>
           </a:p>
@@ -1176,7 +1179,7 @@
           <a:p>
             <a:fld id="{6604B9EE-3394-4753-BBCA-788B28FEC1FC}" type="datetimeFigureOut">
               <a:rPr lang="ko-KR" altLang="en-US" smtClean="0"/>
-              <a:t>2023-06-09</a:t>
+              <a:t>2023-06-12</a:t>
             </a:fld>
             <a:endParaRPr lang="ko-KR" altLang="en-US"/>
           </a:p>
@@ -1627,7 +1630,7 @@
           <a:p>
             <a:fld id="{6604B9EE-3394-4753-BBCA-788B28FEC1FC}" type="datetimeFigureOut">
               <a:rPr lang="ko-KR" altLang="en-US" smtClean="0"/>
-              <a:t>2023-06-09</a:t>
+              <a:t>2023-06-12</a:t>
             </a:fld>
             <a:endParaRPr lang="ko-KR" altLang="en-US"/>
           </a:p>
@@ -1800,7 +1803,7 @@
           <a:p>
             <a:fld id="{6604B9EE-3394-4753-BBCA-788B28FEC1FC}" type="datetimeFigureOut">
               <a:rPr lang="ko-KR" altLang="en-US" smtClean="0"/>
-              <a:t>2023-06-09</a:t>
+              <a:t>2023-06-12</a:t>
             </a:fld>
             <a:endParaRPr lang="ko-KR" altLang="en-US"/>
           </a:p>
@@ -1937,7 +1940,7 @@
           <a:p>
             <a:fld id="{6604B9EE-3394-4753-BBCA-788B28FEC1FC}" type="datetimeFigureOut">
               <a:rPr lang="ko-KR" altLang="en-US" smtClean="0"/>
-              <a:t>2023-06-09</a:t>
+              <a:t>2023-06-12</a:t>
             </a:fld>
             <a:endParaRPr lang="ko-KR" altLang="en-US"/>
           </a:p>
@@ -2281,7 +2284,7 @@
           <a:p>
             <a:fld id="{6604B9EE-3394-4753-BBCA-788B28FEC1FC}" type="datetimeFigureOut">
               <a:rPr lang="ko-KR" altLang="en-US" smtClean="0"/>
-              <a:t>2023-06-09</a:t>
+              <a:t>2023-06-12</a:t>
             </a:fld>
             <a:endParaRPr lang="ko-KR" altLang="en-US"/>
           </a:p>
@@ -2602,7 +2605,7 @@
           <a:p>
             <a:fld id="{6604B9EE-3394-4753-BBCA-788B28FEC1FC}" type="datetimeFigureOut">
               <a:rPr lang="ko-KR" altLang="en-US" smtClean="0"/>
-              <a:t>2023-06-09</a:t>
+              <a:t>2023-06-12</a:t>
             </a:fld>
             <a:endParaRPr lang="ko-KR" altLang="en-US"/>
           </a:p>
@@ -3610,6 +3613,665 @@
 </p:sld>
 </file>
 
+<file path=ppt/slides/slide11.xml><?xml version="1.0" encoding="utf-8"?>
+<p:sld xmlns:a="http://schemas.openxmlformats.org/drawingml/2006/main" xmlns:r="http://schemas.openxmlformats.org/officeDocument/2006/relationships" xmlns:p="http://schemas.openxmlformats.org/presentationml/2006/main">
+  <p:cSld>
+    <p:spTree>
+      <p:nvGrpSpPr>
+        <p:cNvPr id="1" name=""/>
+        <p:cNvGrpSpPr/>
+        <p:nvPr/>
+      </p:nvGrpSpPr>
+      <p:grpSpPr>
+        <a:xfrm>
+          <a:off x="0" y="0"/>
+          <a:ext cx="0" cy="0"/>
+          <a:chOff x="0" y="0"/>
+          <a:chExt cx="0" cy="0"/>
+        </a:xfrm>
+      </p:grpSpPr>
+      <p:sp>
+        <p:nvSpPr>
+          <p:cNvPr id="2" name="TextBox 1">
+            <a:extLst>
+              <a:ext uri="{FF2B5EF4-FFF2-40B4-BE49-F238E27FC236}">
+                <a16:creationId xmlns:a16="http://schemas.microsoft.com/office/drawing/2014/main" id="{80915EBB-A92F-C243-3C3D-C93B606ADD39}"/>
+              </a:ext>
+            </a:extLst>
+          </p:cNvPr>
+          <p:cNvSpPr txBox="1"/>
+          <p:nvPr/>
+        </p:nvSpPr>
+        <p:spPr>
+          <a:xfrm>
+            <a:off x="58001" y="195072"/>
+            <a:ext cx="10604441" cy="2308324"/>
+          </a:xfrm>
+          <a:prstGeom prst="rect">
+            <a:avLst/>
+          </a:prstGeom>
+          <a:noFill/>
+        </p:spPr>
+        <p:txBody>
+          <a:bodyPr wrap="none" rtlCol="0">
+            <a:spAutoFit/>
+          </a:bodyPr>
+          <a:lstStyle/>
+          <a:p>
+            <a:r>
+              <a:rPr lang="ko-KR" altLang="en-US" dirty="0"/>
+              <a:t>페이지 전환 </a:t>
+            </a:r>
+            <a:endParaRPr lang="en-US" altLang="ko-KR" dirty="0"/>
+          </a:p>
+          <a:p>
+            <a:endParaRPr lang="en-US" altLang="ko-KR" dirty="0"/>
+          </a:p>
+          <a:p>
+            <a:r>
+              <a:rPr lang="en-US" altLang="ko-KR" dirty="0"/>
+              <a:t>React spa </a:t>
+            </a:r>
+            <a:r>
+              <a:rPr lang="ko-KR" altLang="en-US" dirty="0"/>
+              <a:t>에서 페이지 전환방법 </a:t>
+            </a:r>
+            <a:endParaRPr lang="en-US" altLang="ko-KR" dirty="0"/>
+          </a:p>
+          <a:p>
+            <a:r>
+              <a:rPr lang="en-US" altLang="ko-KR" dirty="0"/>
+              <a:t>Browser</a:t>
+            </a:r>
+            <a:r>
+              <a:rPr lang="ko-KR" altLang="en-US" dirty="0"/>
+              <a:t>의 </a:t>
+            </a:r>
+            <a:r>
+              <a:rPr lang="ko-KR" altLang="en-US" dirty="0" err="1"/>
+              <a:t>주소창</a:t>
+            </a:r>
+            <a:r>
+              <a:rPr lang="ko-KR" altLang="en-US" dirty="0"/>
+              <a:t> 활용측면에서 기존의 방식과 </a:t>
+            </a:r>
+            <a:r>
+              <a:rPr lang="ko-KR" altLang="en-US" dirty="0" err="1"/>
+              <a:t>비슷</a:t>
+            </a:r>
+            <a:r>
+              <a:rPr lang="en-US" altLang="ko-KR" dirty="0"/>
+              <a:t> – </a:t>
+            </a:r>
+          </a:p>
+          <a:p>
+            <a:r>
+              <a:rPr lang="en-US" altLang="ko-KR" dirty="0" err="1"/>
+              <a:t>Location.href</a:t>
+            </a:r>
+            <a:r>
+              <a:rPr lang="en-US" altLang="ko-KR" dirty="0"/>
+              <a:t>, a </a:t>
+            </a:r>
+            <a:r>
+              <a:rPr lang="ko-KR" altLang="en-US" dirty="0"/>
+              <a:t>사용</a:t>
+            </a:r>
+            <a:r>
+              <a:rPr lang="en-US" altLang="ko-KR" dirty="0"/>
+              <a:t> </a:t>
+            </a:r>
+            <a:r>
+              <a:rPr lang="ko-KR" altLang="en-US" dirty="0"/>
+              <a:t>가능 </a:t>
+            </a:r>
+            <a:r>
+              <a:rPr lang="en-US" altLang="ko-KR" dirty="0"/>
+              <a:t>(</a:t>
+            </a:r>
+            <a:r>
+              <a:rPr lang="ko-KR" altLang="en-US" dirty="0"/>
+              <a:t>위 두가지는 서버로 링크를 보냄 </a:t>
+            </a:r>
+            <a:r>
+              <a:rPr lang="en-US" altLang="ko-KR" dirty="0"/>
+              <a:t>&gt; </a:t>
+            </a:r>
+            <a:r>
+              <a:rPr lang="ko-KR" altLang="en-US" dirty="0"/>
+              <a:t>서버로 불필요한 </a:t>
+            </a:r>
+            <a:r>
+              <a:rPr lang="en-US" altLang="ko-KR" dirty="0"/>
+              <a:t>request</a:t>
+            </a:r>
+            <a:r>
+              <a:rPr lang="ko-KR" altLang="en-US" dirty="0"/>
+              <a:t>를 </a:t>
+            </a:r>
+            <a:r>
+              <a:rPr lang="ko-KR" altLang="en-US" dirty="0" err="1"/>
+              <a:t>보내버림</a:t>
+            </a:r>
+            <a:r>
+              <a:rPr lang="en-US" altLang="ko-KR" dirty="0"/>
+              <a:t>) </a:t>
+            </a:r>
+          </a:p>
+          <a:p>
+            <a:r>
+              <a:rPr lang="en-US" altLang="ko-KR" dirty="0"/>
+              <a:t>React</a:t>
+            </a:r>
+            <a:r>
+              <a:rPr lang="ko-KR" altLang="en-US" dirty="0"/>
+              <a:t>에서는 일반적으로 </a:t>
+            </a:r>
+            <a:r>
+              <a:rPr lang="en-US" altLang="ko-KR" dirty="0"/>
+              <a:t>react-router-</a:t>
+            </a:r>
+            <a:r>
+              <a:rPr lang="en-US" altLang="ko-KR" dirty="0" err="1"/>
+              <a:t>dom</a:t>
+            </a:r>
+            <a:r>
+              <a:rPr lang="en-US" altLang="ko-KR" dirty="0"/>
+              <a:t> </a:t>
+            </a:r>
+            <a:r>
+              <a:rPr lang="ko-KR" altLang="en-US" dirty="0"/>
+              <a:t>라이브러리를 활용하여 전환</a:t>
+            </a:r>
+            <a:endParaRPr lang="en-US" altLang="ko-KR" dirty="0"/>
+          </a:p>
+          <a:p>
+            <a:endParaRPr lang="en-US" altLang="ko-KR" dirty="0"/>
+          </a:p>
+          <a:p>
+            <a:endParaRPr lang="ko-KR" altLang="en-US" dirty="0"/>
+          </a:p>
+        </p:txBody>
+      </p:sp>
+      <p:pic>
+        <p:nvPicPr>
+          <p:cNvPr id="4" name="그림 3">
+            <a:extLst>
+              <a:ext uri="{FF2B5EF4-FFF2-40B4-BE49-F238E27FC236}">
+                <a16:creationId xmlns:a16="http://schemas.microsoft.com/office/drawing/2014/main" id="{6038C710-8B0F-57FB-0D1A-AD01722E32D7}"/>
+              </a:ext>
+            </a:extLst>
+          </p:cNvPr>
+          <p:cNvPicPr>
+            <a:picLocks noChangeAspect="1"/>
+          </p:cNvPicPr>
+          <p:nvPr/>
+        </p:nvPicPr>
+        <p:blipFill>
+          <a:blip r:embed="rId2"/>
+          <a:stretch>
+            <a:fillRect/>
+          </a:stretch>
+        </p:blipFill>
+        <p:spPr>
+          <a:xfrm>
+            <a:off x="58001" y="2047204"/>
+            <a:ext cx="4010585" cy="4810796"/>
+          </a:xfrm>
+          <a:prstGeom prst="rect">
+            <a:avLst/>
+          </a:prstGeom>
+        </p:spPr>
+      </p:pic>
+    </p:spTree>
+    <p:extLst>
+      <p:ext uri="{BB962C8B-B14F-4D97-AF65-F5344CB8AC3E}">
+        <p14:creationId xmlns:p14="http://schemas.microsoft.com/office/powerpoint/2010/main" val="4185596154"/>
+      </p:ext>
+    </p:extLst>
+  </p:cSld>
+  <p:clrMapOvr>
+    <a:masterClrMapping/>
+  </p:clrMapOvr>
+</p:sld>
+</file>
+
+<file path=ppt/slides/slide12.xml><?xml version="1.0" encoding="utf-8"?>
+<p:sld xmlns:a="http://schemas.openxmlformats.org/drawingml/2006/main" xmlns:r="http://schemas.openxmlformats.org/officeDocument/2006/relationships" xmlns:p="http://schemas.openxmlformats.org/presentationml/2006/main">
+  <p:cSld>
+    <p:spTree>
+      <p:nvGrpSpPr>
+        <p:cNvPr id="1" name=""/>
+        <p:cNvGrpSpPr/>
+        <p:nvPr/>
+      </p:nvGrpSpPr>
+      <p:grpSpPr>
+        <a:xfrm>
+          <a:off x="0" y="0"/>
+          <a:ext cx="0" cy="0"/>
+          <a:chOff x="0" y="0"/>
+          <a:chExt cx="0" cy="0"/>
+        </a:xfrm>
+      </p:grpSpPr>
+      <p:pic>
+        <p:nvPicPr>
+          <p:cNvPr id="3" name="그림 2">
+            <a:extLst>
+              <a:ext uri="{FF2B5EF4-FFF2-40B4-BE49-F238E27FC236}">
+                <a16:creationId xmlns:a16="http://schemas.microsoft.com/office/drawing/2014/main" id="{D83F5934-B1B4-EDF9-9227-21A1FF9E4DEE}"/>
+              </a:ext>
+            </a:extLst>
+          </p:cNvPr>
+          <p:cNvPicPr>
+            <a:picLocks noChangeAspect="1"/>
+          </p:cNvPicPr>
+          <p:nvPr/>
+        </p:nvPicPr>
+        <p:blipFill>
+          <a:blip r:embed="rId2"/>
+          <a:stretch>
+            <a:fillRect/>
+          </a:stretch>
+        </p:blipFill>
+        <p:spPr>
+          <a:xfrm>
+            <a:off x="239021" y="233493"/>
+            <a:ext cx="3600953" cy="1552792"/>
+          </a:xfrm>
+          <a:prstGeom prst="rect">
+            <a:avLst/>
+          </a:prstGeom>
+        </p:spPr>
+      </p:pic>
+      <p:sp>
+        <p:nvSpPr>
+          <p:cNvPr id="4" name="TextBox 3">
+            <a:extLst>
+              <a:ext uri="{FF2B5EF4-FFF2-40B4-BE49-F238E27FC236}">
+                <a16:creationId xmlns:a16="http://schemas.microsoft.com/office/drawing/2014/main" id="{6E80E6A3-3A9B-0995-B610-13AD34593AC8}"/>
+              </a:ext>
+            </a:extLst>
+          </p:cNvPr>
+          <p:cNvSpPr txBox="1"/>
+          <p:nvPr/>
+        </p:nvSpPr>
+        <p:spPr>
+          <a:xfrm>
+            <a:off x="4790365" y="409432"/>
+            <a:ext cx="6159507" cy="1754326"/>
+          </a:xfrm>
+          <a:prstGeom prst="rect">
+            <a:avLst/>
+          </a:prstGeom>
+          <a:noFill/>
+        </p:spPr>
+        <p:txBody>
+          <a:bodyPr wrap="none" rtlCol="0">
+            <a:spAutoFit/>
+          </a:bodyPr>
+          <a:lstStyle/>
+          <a:p>
+            <a:r>
+              <a:rPr lang="en-US" altLang="ko-KR" dirty="0" err="1"/>
+              <a:t>BrowserRouter</a:t>
+            </a:r>
+            <a:r>
+              <a:rPr lang="en-US" altLang="ko-KR" dirty="0"/>
+              <a:t> </a:t>
+            </a:r>
+            <a:r>
+              <a:rPr lang="ko-KR" altLang="en-US" dirty="0"/>
+              <a:t>안에 </a:t>
+            </a:r>
+            <a:r>
+              <a:rPr lang="en-US" altLang="ko-KR" dirty="0"/>
+              <a:t>Routes </a:t>
+            </a:r>
+            <a:r>
+              <a:rPr lang="ko-KR" altLang="en-US" dirty="0"/>
+              <a:t>안에 </a:t>
+            </a:r>
+            <a:r>
+              <a:rPr lang="en-US" altLang="ko-KR" dirty="0"/>
+              <a:t>Route </a:t>
+            </a:r>
+            <a:r>
+              <a:rPr lang="ko-KR" altLang="en-US" dirty="0"/>
+              <a:t>가 있어야 함</a:t>
+            </a:r>
+            <a:endParaRPr lang="en-US" altLang="ko-KR" dirty="0"/>
+          </a:p>
+          <a:p>
+            <a:r>
+              <a:rPr lang="ko-KR" altLang="en-US" dirty="0"/>
+              <a:t>바깥으로 </a:t>
+            </a:r>
+            <a:r>
+              <a:rPr lang="en-US" altLang="ko-KR" dirty="0"/>
+              <a:t>Routing </a:t>
+            </a:r>
+            <a:r>
+              <a:rPr lang="ko-KR" altLang="en-US" dirty="0"/>
+              <a:t>관련 코드가 있으면 에러</a:t>
+            </a:r>
+            <a:endParaRPr lang="en-US" altLang="ko-KR" dirty="0"/>
+          </a:p>
+          <a:p>
+            <a:r>
+              <a:rPr lang="en-US" altLang="ko-KR" dirty="0"/>
+              <a:t>Routes </a:t>
+            </a:r>
+            <a:r>
+              <a:rPr lang="ko-KR" altLang="en-US" dirty="0"/>
+              <a:t>밖에 </a:t>
+            </a:r>
+            <a:r>
+              <a:rPr lang="ko-KR" altLang="en-US" dirty="0" err="1"/>
+              <a:t>있는건</a:t>
+            </a:r>
+            <a:r>
+              <a:rPr lang="ko-KR" altLang="en-US" dirty="0"/>
+              <a:t> 주소와 관계없이 그냥 </a:t>
+            </a:r>
+            <a:r>
+              <a:rPr lang="ko-KR" altLang="en-US" dirty="0" err="1"/>
+              <a:t>나타나는것</a:t>
+            </a:r>
+            <a:r>
+              <a:rPr lang="ko-KR" altLang="en-US" dirty="0"/>
+              <a:t> 들</a:t>
+            </a:r>
+            <a:endParaRPr lang="en-US" altLang="ko-KR" dirty="0"/>
+          </a:p>
+          <a:p>
+            <a:r>
+              <a:rPr lang="en-US" altLang="ko-KR" dirty="0"/>
+              <a:t>Routes </a:t>
+            </a:r>
+            <a:r>
+              <a:rPr lang="ko-KR" altLang="en-US" dirty="0"/>
+              <a:t>안에 </a:t>
+            </a:r>
+            <a:r>
+              <a:rPr lang="ko-KR" altLang="en-US" dirty="0" err="1"/>
+              <a:t>있는건</a:t>
+            </a:r>
+            <a:r>
+              <a:rPr lang="ko-KR" altLang="en-US" dirty="0"/>
+              <a:t> 주소에 따라 바뀜</a:t>
+            </a:r>
+            <a:endParaRPr lang="en-US" altLang="ko-KR" dirty="0"/>
+          </a:p>
+          <a:p>
+            <a:endParaRPr lang="en-US" altLang="ko-KR" dirty="0"/>
+          </a:p>
+          <a:p>
+            <a:r>
+              <a:rPr lang="ko-KR" altLang="en-US" dirty="0"/>
+              <a:t>즉 </a:t>
+            </a:r>
+            <a:r>
+              <a:rPr lang="en-US" altLang="ko-KR" dirty="0"/>
+              <a:t>Routes </a:t>
+            </a:r>
+            <a:r>
+              <a:rPr lang="ko-KR" altLang="en-US" dirty="0"/>
+              <a:t>밖 영역은 고정 </a:t>
+            </a:r>
+            <a:r>
+              <a:rPr lang="en-US" altLang="ko-KR" dirty="0"/>
+              <a:t>/</a:t>
+            </a:r>
+            <a:r>
+              <a:rPr lang="ko-KR" altLang="en-US" dirty="0"/>
+              <a:t> 내부는 변경됨</a:t>
+            </a:r>
+            <a:r>
+              <a:rPr lang="en-US" altLang="ko-KR" dirty="0"/>
+              <a:t>.</a:t>
+            </a:r>
+          </a:p>
+        </p:txBody>
+      </p:sp>
+      <p:pic>
+        <p:nvPicPr>
+          <p:cNvPr id="6" name="그림 5">
+            <a:extLst>
+              <a:ext uri="{FF2B5EF4-FFF2-40B4-BE49-F238E27FC236}">
+                <a16:creationId xmlns:a16="http://schemas.microsoft.com/office/drawing/2014/main" id="{DFF463B6-FCFC-6DF6-398B-9502E40611A7}"/>
+              </a:ext>
+            </a:extLst>
+          </p:cNvPr>
+          <p:cNvPicPr>
+            <a:picLocks noChangeAspect="1"/>
+          </p:cNvPicPr>
+          <p:nvPr/>
+        </p:nvPicPr>
+        <p:blipFill>
+          <a:blip r:embed="rId3"/>
+          <a:stretch>
+            <a:fillRect/>
+          </a:stretch>
+        </p:blipFill>
+        <p:spPr>
+          <a:xfrm>
+            <a:off x="214227" y="2333472"/>
+            <a:ext cx="3553321" cy="1095528"/>
+          </a:xfrm>
+          <a:prstGeom prst="rect">
+            <a:avLst/>
+          </a:prstGeom>
+        </p:spPr>
+      </p:pic>
+      <p:sp>
+        <p:nvSpPr>
+          <p:cNvPr id="7" name="TextBox 6">
+            <a:extLst>
+              <a:ext uri="{FF2B5EF4-FFF2-40B4-BE49-F238E27FC236}">
+                <a16:creationId xmlns:a16="http://schemas.microsoft.com/office/drawing/2014/main" id="{776BBDC6-B30A-2C5D-E68C-41B62DB0E3BC}"/>
+              </a:ext>
+            </a:extLst>
+          </p:cNvPr>
+          <p:cNvSpPr txBox="1"/>
+          <p:nvPr/>
+        </p:nvSpPr>
+        <p:spPr>
+          <a:xfrm>
+            <a:off x="4790365" y="2333472"/>
+            <a:ext cx="6529352" cy="369332"/>
+          </a:xfrm>
+          <a:prstGeom prst="rect">
+            <a:avLst/>
+          </a:prstGeom>
+          <a:noFill/>
+        </p:spPr>
+        <p:txBody>
+          <a:bodyPr wrap="none" rtlCol="0">
+            <a:spAutoFit/>
+          </a:bodyPr>
+          <a:lstStyle/>
+          <a:p>
+            <a:r>
+              <a:rPr lang="en-US" altLang="ko-KR" dirty="0"/>
+              <a:t>*</a:t>
+            </a:r>
+            <a:r>
+              <a:rPr lang="ko-KR" altLang="en-US" dirty="0"/>
+              <a:t>의 의미는 </a:t>
+            </a:r>
+            <a:r>
+              <a:rPr lang="en-US" altLang="ko-KR" dirty="0"/>
+              <a:t>/ Input output </a:t>
+            </a:r>
+            <a:r>
+              <a:rPr lang="ko-KR" altLang="en-US" dirty="0"/>
+              <a:t>외 </a:t>
+            </a:r>
+            <a:r>
+              <a:rPr lang="ko-KR" altLang="en-US" dirty="0" err="1"/>
+              <a:t>모든페이지는</a:t>
+            </a:r>
+            <a:r>
+              <a:rPr lang="ko-KR" altLang="en-US" dirty="0"/>
+              <a:t> </a:t>
+            </a:r>
+            <a:r>
+              <a:rPr lang="en-US" altLang="ko-KR" dirty="0"/>
+              <a:t>index</a:t>
+            </a:r>
+            <a:r>
+              <a:rPr lang="ko-KR" altLang="en-US" dirty="0"/>
+              <a:t>를 보여줘라</a:t>
+            </a:r>
+          </a:p>
+        </p:txBody>
+      </p:sp>
+    </p:spTree>
+    <p:extLst>
+      <p:ext uri="{BB962C8B-B14F-4D97-AF65-F5344CB8AC3E}">
+        <p14:creationId xmlns:p14="http://schemas.microsoft.com/office/powerpoint/2010/main" val="1418928204"/>
+      </p:ext>
+    </p:extLst>
+  </p:cSld>
+  <p:clrMapOvr>
+    <a:masterClrMapping/>
+  </p:clrMapOvr>
+</p:sld>
+</file>
+
+<file path=ppt/slides/slide13.xml><?xml version="1.0" encoding="utf-8"?>
+<p:sld xmlns:a="http://schemas.openxmlformats.org/drawingml/2006/main" xmlns:r="http://schemas.openxmlformats.org/officeDocument/2006/relationships" xmlns:p="http://schemas.openxmlformats.org/presentationml/2006/main">
+  <p:cSld>
+    <p:spTree>
+      <p:nvGrpSpPr>
+        <p:cNvPr id="1" name=""/>
+        <p:cNvGrpSpPr/>
+        <p:nvPr/>
+      </p:nvGrpSpPr>
+      <p:grpSpPr>
+        <a:xfrm>
+          <a:off x="0" y="0"/>
+          <a:ext cx="0" cy="0"/>
+          <a:chOff x="0" y="0"/>
+          <a:chExt cx="0" cy="0"/>
+        </a:xfrm>
+      </p:grpSpPr>
+      <p:pic>
+        <p:nvPicPr>
+          <p:cNvPr id="3" name="그림 2">
+            <a:extLst>
+              <a:ext uri="{FF2B5EF4-FFF2-40B4-BE49-F238E27FC236}">
+                <a16:creationId xmlns:a16="http://schemas.microsoft.com/office/drawing/2014/main" id="{68241F3A-3759-1515-99B9-864C9D092502}"/>
+              </a:ext>
+            </a:extLst>
+          </p:cNvPr>
+          <p:cNvPicPr>
+            <a:picLocks noChangeAspect="1"/>
+          </p:cNvPicPr>
+          <p:nvPr/>
+        </p:nvPicPr>
+        <p:blipFill>
+          <a:blip r:embed="rId2"/>
+          <a:stretch>
+            <a:fillRect/>
+          </a:stretch>
+        </p:blipFill>
+        <p:spPr>
+          <a:xfrm>
+            <a:off x="0" y="0"/>
+            <a:ext cx="4563687" cy="6858000"/>
+          </a:xfrm>
+          <a:prstGeom prst="rect">
+            <a:avLst/>
+          </a:prstGeom>
+        </p:spPr>
+      </p:pic>
+      <p:pic>
+        <p:nvPicPr>
+          <p:cNvPr id="5" name="그림 4">
+            <a:extLst>
+              <a:ext uri="{FF2B5EF4-FFF2-40B4-BE49-F238E27FC236}">
+                <a16:creationId xmlns:a16="http://schemas.microsoft.com/office/drawing/2014/main" id="{F82FF408-543D-4550-33C6-1179E0AD898B}"/>
+              </a:ext>
+            </a:extLst>
+          </p:cNvPr>
+          <p:cNvPicPr>
+            <a:picLocks noChangeAspect="1"/>
+          </p:cNvPicPr>
+          <p:nvPr/>
+        </p:nvPicPr>
+        <p:blipFill>
+          <a:blip r:embed="rId3"/>
+          <a:stretch>
+            <a:fillRect/>
+          </a:stretch>
+        </p:blipFill>
+        <p:spPr>
+          <a:xfrm>
+            <a:off x="4715223" y="0"/>
+            <a:ext cx="4991797" cy="4010585"/>
+          </a:xfrm>
+          <a:prstGeom prst="rect">
+            <a:avLst/>
+          </a:prstGeom>
+        </p:spPr>
+      </p:pic>
+      <p:sp>
+        <p:nvSpPr>
+          <p:cNvPr id="6" name="TextBox 5">
+            <a:extLst>
+              <a:ext uri="{FF2B5EF4-FFF2-40B4-BE49-F238E27FC236}">
+                <a16:creationId xmlns:a16="http://schemas.microsoft.com/office/drawing/2014/main" id="{B541BE45-409E-8F03-FE20-5D65772D7B8F}"/>
+              </a:ext>
+            </a:extLst>
+          </p:cNvPr>
+          <p:cNvSpPr txBox="1"/>
+          <p:nvPr/>
+        </p:nvSpPr>
+        <p:spPr>
+          <a:xfrm>
+            <a:off x="4715223" y="4270917"/>
+            <a:ext cx="6962162" cy="369332"/>
+          </a:xfrm>
+          <a:prstGeom prst="rect">
+            <a:avLst/>
+          </a:prstGeom>
+          <a:noFill/>
+        </p:spPr>
+        <p:txBody>
+          <a:bodyPr wrap="none" rtlCol="0">
+            <a:spAutoFit/>
+          </a:bodyPr>
+          <a:lstStyle/>
+          <a:p>
+            <a:r>
+              <a:rPr lang="ko-KR" altLang="en-US" dirty="0"/>
+              <a:t>하위에 작성시 위치를 지정할 수 없으나 </a:t>
+            </a:r>
+            <a:r>
+              <a:rPr lang="en-US" altLang="ko-KR" dirty="0"/>
+              <a:t>Outlet </a:t>
+            </a:r>
+            <a:r>
+              <a:rPr lang="ko-KR" altLang="en-US" dirty="0"/>
+              <a:t>을 통해 지정 가능</a:t>
+            </a:r>
+          </a:p>
+        </p:txBody>
+      </p:sp>
+    </p:spTree>
+    <p:extLst>
+      <p:ext uri="{BB962C8B-B14F-4D97-AF65-F5344CB8AC3E}">
+        <p14:creationId xmlns:p14="http://schemas.microsoft.com/office/powerpoint/2010/main" val="1383036602"/>
+      </p:ext>
+    </p:extLst>
+  </p:cSld>
+  <p:clrMapOvr>
+    <a:masterClrMapping/>
+  </p:clrMapOvr>
+</p:sld>
+</file>
+
 <file path=ppt/slides/slide2.xml><?xml version="1.0" encoding="utf-8"?>
 <p:sld xmlns:a="http://schemas.openxmlformats.org/drawingml/2006/main" xmlns:r="http://schemas.openxmlformats.org/officeDocument/2006/relationships" xmlns:p="http://schemas.openxmlformats.org/presentationml/2006/main">
   <p:cSld>
